--- a/Slides/Lesson 2.3 Examining More than One Value.pptx
+++ b/Slides/Lesson 2.3 Examining More than One Value.pptx
@@ -257,7 +257,7 @@
             <a:fld id="{0FAC78B3-EDCE-4187-A1AE-28620314FA32}" type="datetimeFigureOut">
               <a:rPr lang="en-US" smtClean="0"/>
               <a:pPr/>
-              <a:t>8/5/2015</a:t>
+              <a:t>8/13/2015</a:t>
             </a:fld>
             <a:endParaRPr lang="en-US"/>
           </a:p>
@@ -800,7 +800,7 @@
           <a:p>
             <a:fld id="{AE36E179-9677-406E-90D9-3402BE92068A}" type="datetime1">
               <a:rPr lang="en-US" smtClean="0"/>
-              <a:t>8/5/2015</a:t>
+              <a:t>8/13/2015</a:t>
             </a:fld>
             <a:endParaRPr lang="en-US"/>
           </a:p>
@@ -1072,7 +1072,7 @@
           <a:p>
             <a:fld id="{9C106CB1-CEAE-4FA9-AC65-2E4B01C62B73}" type="datetime1">
               <a:rPr lang="en-US" smtClean="0"/>
-              <a:t>8/5/2015</a:t>
+              <a:t>8/13/2015</a:t>
             </a:fld>
             <a:endParaRPr lang="en-US"/>
           </a:p>
@@ -1254,7 +1254,7 @@
           <a:p>
             <a:fld id="{2D3DB8E0-41F1-4047-A2BB-3AF23AEFB7A8}" type="datetime1">
               <a:rPr lang="en-US" smtClean="0"/>
-              <a:t>8/5/2015</a:t>
+              <a:t>8/13/2015</a:t>
             </a:fld>
             <a:endParaRPr lang="en-US"/>
           </a:p>
@@ -1446,7 +1446,7 @@
           <a:p>
             <a:fld id="{2EDFADFF-E434-421D-BD26-7C347DAB516F}" type="datetime1">
               <a:rPr lang="en-US" smtClean="0"/>
-              <a:t>8/5/2015</a:t>
+              <a:t>8/13/2015</a:t>
             </a:fld>
             <a:endParaRPr lang="en-US"/>
           </a:p>
@@ -1711,7 +1711,7 @@
                 </a:solidFill>
               </a:rPr>
               <a:pPr/>
-              <a:t>8/5/2015</a:t>
+              <a:t>8/13/2015</a:t>
             </a:fld>
             <a:endParaRPr lang="en-US">
               <a:solidFill>
@@ -1926,7 +1926,7 @@
                 </a:solidFill>
               </a:rPr>
               <a:pPr/>
-              <a:t>8/5/2015</a:t>
+              <a:t>8/13/2015</a:t>
             </a:fld>
             <a:endParaRPr lang="en-US">
               <a:solidFill>
@@ -2140,7 +2140,7 @@
                 </a:solidFill>
               </a:rPr>
               <a:pPr/>
-              <a:t>8/5/2015</a:t>
+              <a:t>8/13/2015</a:t>
             </a:fld>
             <a:endParaRPr lang="en-US">
               <a:solidFill>
@@ -2451,7 +2451,7 @@
                 </a:solidFill>
               </a:rPr>
               <a:pPr/>
-              <a:t>8/5/2015</a:t>
+              <a:t>8/13/2015</a:t>
             </a:fld>
             <a:endParaRPr lang="en-US">
               <a:solidFill>
@@ -2668,7 +2668,7 @@
                 </a:solidFill>
               </a:rPr>
               <a:pPr/>
-              <a:t>8/5/2015</a:t>
+              <a:t>8/13/2015</a:t>
             </a:fld>
             <a:endParaRPr lang="en-US">
               <a:solidFill>
@@ -3002,7 +3002,7 @@
                 </a:solidFill>
               </a:rPr>
               <a:pPr/>
-              <a:t>8/5/2015</a:t>
+              <a:t>8/13/2015</a:t>
             </a:fld>
             <a:endParaRPr lang="en-US">
               <a:solidFill>
@@ -3322,7 +3322,7 @@
                 </a:solidFill>
               </a:rPr>
               <a:pPr/>
-              <a:t>8/5/2015</a:t>
+              <a:t>8/13/2015</a:t>
             </a:fld>
             <a:endParaRPr lang="en-US">
               <a:solidFill>
@@ -3537,7 +3537,7 @@
           <a:p>
             <a:fld id="{3B722677-7067-4D71-BF6A-8259C5E94357}" type="datetime1">
               <a:rPr lang="en-US" smtClean="0"/>
-              <a:t>8/5/2015</a:t>
+              <a:t>8/13/2015</a:t>
             </a:fld>
             <a:endParaRPr lang="en-US"/>
           </a:p>
@@ -3977,7 +3977,7 @@
                 </a:solidFill>
               </a:rPr>
               <a:pPr/>
-              <a:t>8/5/2015</a:t>
+              <a:t>8/13/2015</a:t>
             </a:fld>
             <a:endParaRPr lang="en-US">
               <a:solidFill>
@@ -4127,7 +4127,7 @@
                 </a:solidFill>
               </a:rPr>
               <a:pPr/>
-              <a:t>8/5/2015</a:t>
+              <a:t>8/13/2015</a:t>
             </a:fld>
             <a:endParaRPr lang="en-US">
               <a:solidFill>
@@ -4261,7 +4261,7 @@
                 </a:solidFill>
               </a:rPr>
               <a:pPr/>
-              <a:t>8/5/2015</a:t>
+              <a:t>8/13/2015</a:t>
             </a:fld>
             <a:endParaRPr lang="en-US">
               <a:solidFill>
@@ -4570,7 +4570,7 @@
                 </a:solidFill>
               </a:rPr>
               <a:pPr/>
-              <a:t>8/5/2015</a:t>
+              <a:t>8/13/2015</a:t>
             </a:fld>
             <a:endParaRPr lang="en-US">
               <a:solidFill>
@@ -4855,7 +4855,7 @@
                 </a:solidFill>
               </a:rPr>
               <a:pPr/>
-              <a:t>8/5/2015</a:t>
+              <a:t>8/13/2015</a:t>
             </a:fld>
             <a:endParaRPr lang="en-US">
               <a:solidFill>
@@ -5057,7 +5057,7 @@
                 </a:solidFill>
               </a:rPr>
               <a:pPr/>
-              <a:t>8/5/2015</a:t>
+              <a:t>8/13/2015</a:t>
             </a:fld>
             <a:endParaRPr lang="en-US">
               <a:solidFill>
@@ -5269,7 +5269,7 @@
                 </a:solidFill>
               </a:rPr>
               <a:pPr/>
-              <a:t>8/5/2015</a:t>
+              <a:t>8/13/2015</a:t>
             </a:fld>
             <a:endParaRPr lang="en-US">
               <a:solidFill>
@@ -5548,7 +5548,7 @@
           <a:p>
             <a:fld id="{2F1F79F5-7BEC-496A-AFC7-876E38F64D71}" type="datetime1">
               <a:rPr lang="en-US" smtClean="0"/>
-              <a:t>8/5/2015</a:t>
+              <a:t>8/13/2015</a:t>
             </a:fld>
             <a:endParaRPr lang="en-US"/>
           </a:p>
@@ -5731,7 +5731,7 @@
           <a:p>
             <a:fld id="{E22ED4DA-448D-4BB1-B935-CC112220207B}" type="datetime1">
               <a:rPr lang="en-US" smtClean="0"/>
-              <a:t>8/5/2015</a:t>
+              <a:t>8/13/2015</a:t>
             </a:fld>
             <a:endParaRPr lang="en-US"/>
           </a:p>
@@ -5913,7 +5913,7 @@
           <a:p>
             <a:fld id="{E22ED4DA-448D-4BB1-B935-CC112220207B}" type="datetime1">
               <a:rPr lang="en-US" smtClean="0"/>
-              <a:t>8/5/2015</a:t>
+              <a:t>8/13/2015</a:t>
             </a:fld>
             <a:endParaRPr lang="en-US"/>
           </a:p>
@@ -6347,7 +6347,7 @@
           <a:p>
             <a:fld id="{FF5D65A6-AB94-4435-B0B7-3743215FA46C}" type="datetime1">
               <a:rPr lang="en-US" smtClean="0"/>
-              <a:t>8/5/2015</a:t>
+              <a:t>8/13/2015</a:t>
             </a:fld>
             <a:endParaRPr lang="en-US"/>
           </a:p>
@@ -6532,7 +6532,7 @@
           <a:p>
             <a:fld id="{FF5D65A6-AB94-4435-B0B7-3743215FA46C}" type="datetime1">
               <a:rPr lang="en-US" smtClean="0"/>
-              <a:t>8/5/2015</a:t>
+              <a:t>8/13/2015</a:t>
             </a:fld>
             <a:endParaRPr lang="en-US"/>
           </a:p>
@@ -6834,7 +6834,7 @@
           <a:p>
             <a:fld id="{7C193DC4-6EF0-48C9-B29C-616106A645E1}" type="datetime1">
               <a:rPr lang="en-US" smtClean="0"/>
-              <a:t>8/5/2015</a:t>
+              <a:t>8/13/2015</a:t>
             </a:fld>
             <a:endParaRPr lang="en-US"/>
           </a:p>
@@ -7122,7 +7122,7 @@
           <a:p>
             <a:fld id="{5D1846AD-9252-4647-9435-4C2AC365653A}" type="datetime1">
               <a:rPr lang="en-US" smtClean="0"/>
-              <a:t>8/5/2015</a:t>
+              <a:t>8/13/2015</a:t>
             </a:fld>
             <a:endParaRPr lang="en-US"/>
           </a:p>
@@ -7544,7 +7544,7 @@
           <a:p>
             <a:fld id="{CE56DC10-3561-4063-A6AF-C1CC7A41040A}" type="datetime1">
               <a:rPr lang="en-US" smtClean="0"/>
-              <a:t>8/5/2015</a:t>
+              <a:t>8/13/2015</a:t>
             </a:fld>
             <a:endParaRPr lang="en-US"/>
           </a:p>
@@ -7662,7 +7662,7 @@
           <a:p>
             <a:fld id="{2F7B77F5-1464-4F6B-92A8-64FC8A508293}" type="datetime1">
               <a:rPr lang="en-US" smtClean="0"/>
-              <a:t>8/5/2015</a:t>
+              <a:t>8/13/2015</a:t>
             </a:fld>
             <a:endParaRPr lang="en-US"/>
           </a:p>
@@ -7764,7 +7764,7 @@
           <a:p>
             <a:fld id="{0A05703A-7669-4FEA-9056-25299B4D29D4}" type="datetime1">
               <a:rPr lang="en-US" smtClean="0"/>
-              <a:t>8/5/2015</a:t>
+              <a:t>8/13/2015</a:t>
             </a:fld>
             <a:endParaRPr lang="en-US"/>
           </a:p>
@@ -8041,7 +8041,7 @@
           <a:p>
             <a:fld id="{6E5077B5-BB57-49DB-88CA-226A139E5C01}" type="datetime1">
               <a:rPr lang="en-US" smtClean="0"/>
-              <a:t>8/5/2015</a:t>
+              <a:t>8/13/2015</a:t>
             </a:fld>
             <a:endParaRPr lang="en-US"/>
           </a:p>
@@ -8294,7 +8294,7 @@
           <a:p>
             <a:fld id="{C48D9447-CBD6-49A1-89FD-8512A8CF8999}" type="datetime1">
               <a:rPr lang="en-US" smtClean="0"/>
-              <a:t>8/5/2015</a:t>
+              <a:t>8/13/2015</a:t>
             </a:fld>
             <a:endParaRPr lang="en-US"/>
           </a:p>
@@ -8464,7 +8464,7 @@
           <a:p>
             <a:fld id="{A3639A2A-823D-48B7-9ACE-7FAF42870BA9}" type="datetime1">
               <a:rPr lang="en-US" smtClean="0"/>
-              <a:t>8/5/2015</a:t>
+              <a:t>8/13/2015</a:t>
             </a:fld>
             <a:endParaRPr lang="en-US"/>
           </a:p>
@@ -8718,7 +8718,7 @@
           <a:p>
             <a:fld id="{0C6FD516-C588-49F9-8A09-31EF43101ACE}" type="datetime1">
               <a:rPr lang="en-US" smtClean="0"/>
-              <a:t>8/5/2015</a:t>
+              <a:t>8/13/2015</a:t>
             </a:fld>
             <a:endParaRPr lang="en-US"/>
           </a:p>
@@ -8902,7 +8902,7 @@
           <a:p>
             <a:fld id="{ED1B6996-82E9-463C-972C-7B56056E426C}" type="datetime1">
               <a:rPr lang="en-US" smtClean="0"/>
-              <a:t>8/5/2015</a:t>
+              <a:t>8/13/2015</a:t>
             </a:fld>
             <a:endParaRPr lang="en-US"/>
           </a:p>
@@ -9198,7 +9198,7 @@
           <a:p>
             <a:fld id="{62847054-0C3A-4855-B827-AB022CCDB352}" type="datetime1">
               <a:rPr lang="en-US" smtClean="0"/>
-              <a:t>8/5/2015</a:t>
+              <a:t>8/13/2015</a:t>
             </a:fld>
             <a:endParaRPr lang="en-US"/>
           </a:p>
@@ -9639,7 +9639,7 @@
           <a:p>
             <a:fld id="{787C7470-D2BA-4210-A881-18C149229110}" type="datetime1">
               <a:rPr lang="en-US" smtClean="0"/>
-              <a:t>8/5/2015</a:t>
+              <a:t>8/13/2015</a:t>
             </a:fld>
             <a:endParaRPr lang="en-US"/>
           </a:p>
@@ -9769,7 +9769,7 @@
           <a:p>
             <a:fld id="{8DEC73FD-A5ED-479F-9068-BAD5EB3F7E69}" type="datetime1">
               <a:rPr lang="en-US" smtClean="0"/>
-              <a:t>8/5/2015</a:t>
+              <a:t>8/13/2015</a:t>
             </a:fld>
             <a:endParaRPr lang="en-US"/>
           </a:p>
@@ -9876,7 +9876,7 @@
           <a:p>
             <a:fld id="{EA1BC252-941B-4451-B02D-F879104EB58F}" type="datetime1">
               <a:rPr lang="en-US" smtClean="0"/>
-              <a:t>8/5/2015</a:t>
+              <a:t>8/13/2015</a:t>
             </a:fld>
             <a:endParaRPr lang="en-US"/>
           </a:p>
@@ -10165,7 +10165,7 @@
           <a:p>
             <a:fld id="{43A8641F-9EDF-4983-849A-96C94386CBBC}" type="datetime1">
               <a:rPr lang="en-US" smtClean="0"/>
-              <a:t>8/5/2015</a:t>
+              <a:t>8/13/2015</a:t>
             </a:fld>
             <a:endParaRPr lang="en-US"/>
           </a:p>
@@ -10826,7 +10826,7 @@
                 </a:solidFill>
               </a:rPr>
               <a:pPr/>
-              <a:t>8/5/2015</a:t>
+              <a:t>8/13/2015</a:t>
             </a:fld>
             <a:endParaRPr lang="en-US">
               <a:solidFill>
@@ -11372,7 +11372,7 @@
           <a:p>
             <a:fld id="{02B3F677-983B-48DB-ADFD-63FE6CBC7FB2}" type="datetime1">
               <a:rPr lang="en-US" smtClean="0"/>
-              <a:t>8/5/2015</a:t>
+              <a:t>8/13/2015</a:t>
             </a:fld>
             <a:endParaRPr lang="en-US"/>
           </a:p>
@@ -12131,13 +12131,8 @@
             </a:r>
             <a:r>
               <a:rPr lang="en-US" sz="2400" dirty="0" smtClean="0"/>
-              <a:t>use template for Ball </a:t>
-            </a:r>
-            <a:r>
-              <a:rPr lang="en-US" sz="2400" dirty="0" smtClean="0"/>
-              <a:t>on b</a:t>
-            </a:r>
-            <a:endParaRPr lang="en-US" sz="2400" dirty="0" smtClean="0"/>
+              <a:t>use template for Ball on b</a:t>
+            </a:r>
           </a:p>
           <a:p>
             <a:endParaRPr lang="en-US" sz="2400" dirty="0" smtClean="0"/>
@@ -12230,7 +12225,6 @@
               <a:rPr lang="en-US" dirty="0" smtClean="0"/>
               <a:t>. It’s also going to look at the data inside the ball, using the Ball template.</a:t>
             </a:r>
-            <a:endParaRPr lang="en-US" dirty="0" smtClean="0"/>
           </a:p>
         </p:txBody>
       </p:sp>
@@ -12388,11 +12382,6 @@
               </a:rPr>
               <a:t>all-after-mouse</a:t>
             </a:r>
-            <a:endParaRPr lang="en-US" dirty="0" smtClean="0">
-              <a:solidFill>
-                <a:schemeClr val="tx1"/>
-              </a:solidFill>
-            </a:endParaRPr>
           </a:p>
         </p:txBody>
       </p:sp>
@@ -12442,21 +12431,8 @@
                   <a:schemeClr val="tx1"/>
                 </a:solidFill>
               </a:rPr>
-              <a:t>b</a:t>
-            </a:r>
-            <a:r>
-              <a:rPr lang="en-US" dirty="0" smtClean="0">
-                <a:solidFill>
-                  <a:schemeClr val="tx1"/>
-                </a:solidFill>
-              </a:rPr>
-              <a:t>all-after-drag</a:t>
-            </a:r>
-            <a:endParaRPr lang="en-US" dirty="0" smtClean="0">
-              <a:solidFill>
-                <a:schemeClr val="tx1"/>
-              </a:solidFill>
-            </a:endParaRPr>
+              <a:t>ball-after-drag</a:t>
+            </a:r>
           </a:p>
         </p:txBody>
       </p:sp>
@@ -12506,21 +12482,8 @@
                   <a:schemeClr val="tx1"/>
                 </a:solidFill>
               </a:rPr>
-              <a:t>b</a:t>
-            </a:r>
-            <a:r>
-              <a:rPr lang="en-US" dirty="0" smtClean="0">
-                <a:solidFill>
-                  <a:schemeClr val="tx1"/>
-                </a:solidFill>
-              </a:rPr>
-              <a:t>all-after-button-up</a:t>
-            </a:r>
-            <a:endParaRPr lang="en-US" dirty="0" smtClean="0">
-              <a:solidFill>
-                <a:schemeClr val="tx1"/>
-              </a:solidFill>
-            </a:endParaRPr>
+              <a:t>ball-after-button-up</a:t>
+            </a:r>
           </a:p>
         </p:txBody>
       </p:sp>
@@ -12570,21 +12533,8 @@
                   <a:schemeClr val="tx1"/>
                 </a:solidFill>
               </a:rPr>
-              <a:t>b</a:t>
-            </a:r>
-            <a:r>
-              <a:rPr lang="en-US" dirty="0" smtClean="0">
-                <a:solidFill>
-                  <a:schemeClr val="tx1"/>
-                </a:solidFill>
-              </a:rPr>
-              <a:t>all-after-button-down</a:t>
-            </a:r>
-            <a:endParaRPr lang="en-US" dirty="0" smtClean="0">
-              <a:solidFill>
-                <a:schemeClr val="tx1"/>
-              </a:solidFill>
-            </a:endParaRPr>
+              <a:t>ball-after-button-down</a:t>
+            </a:r>
           </a:p>
         </p:txBody>
       </p:sp>
@@ -12747,11 +12697,6 @@
               </a:rPr>
               <a:t>ball-moved-to</a:t>
             </a:r>
-            <a:endParaRPr lang="en-US" dirty="0" smtClean="0">
-              <a:solidFill>
-                <a:schemeClr val="tx1"/>
-              </a:solidFill>
-            </a:endParaRPr>
           </a:p>
         </p:txBody>
       </p:sp>
@@ -12839,7 +12784,6 @@
               <a:rPr lang="en-US" dirty="0" smtClean="0"/>
               <a:t>Will need to fill in more functions here</a:t>
             </a:r>
-            <a:endParaRPr lang="en-US" dirty="0" smtClean="0"/>
           </a:p>
         </p:txBody>
       </p:sp>
@@ -13049,13 +12993,7 @@
               <a:rPr lang="en-US" dirty="0" smtClean="0">
                 <a:cs typeface="Consolas" pitchFamily="49" charset="0"/>
               </a:rPr>
-              <a:t>An inferior </a:t>
-            </a:r>
-            <a:r>
-              <a:rPr lang="en-US" dirty="0" smtClean="0">
-                <a:cs typeface="Consolas" pitchFamily="49" charset="0"/>
-              </a:rPr>
-              <a:t>version of </a:t>
+              <a:t>An inferior version of </a:t>
             </a:r>
             <a:r>
               <a:rPr lang="en-US" b="1" dirty="0" smtClean="0">
@@ -13095,11 +13033,7 @@
           <a:p>
             <a:r>
               <a:rPr lang="en-US" sz="2400" dirty="0" smtClean="0"/>
-              <a:t>;;   </a:t>
-            </a:r>
-            <a:r>
-              <a:rPr lang="en-US" sz="2400" dirty="0" smtClean="0"/>
-              <a:t>: </a:t>
+              <a:t>;;   : </a:t>
             </a:r>
             <a:r>
               <a:rPr lang="en-US" sz="2400" dirty="0"/>
@@ -13157,7 +13091,6 @@
               <a:rPr lang="en-US" sz="2400" dirty="0" smtClean="0"/>
               <a:t>Use template for Ball on b </a:t>
             </a:r>
-            <a:endParaRPr lang="en-US" sz="2400" dirty="0" smtClean="0"/>
           </a:p>
           <a:p>
             <a:endParaRPr lang="en-US" sz="2400" dirty="0" smtClean="0"/>
@@ -13349,7 +13282,15 @@
           <a:p>
             <a:r>
               <a:rPr lang="en-US" dirty="0" smtClean="0"/>
-              <a:t>You can do structural decomposition on more than one compound if you really need to.</a:t>
+              <a:t>You can </a:t>
+            </a:r>
+            <a:r>
+              <a:rPr lang="en-US" dirty="0" smtClean="0"/>
+              <a:t>use the template for more </a:t>
+            </a:r>
+            <a:r>
+              <a:rPr lang="en-US" dirty="0" smtClean="0"/>
+              <a:t>than one compound if you really need to.</a:t>
             </a:r>
             <a:endParaRPr lang="en-US" dirty="0"/>
           </a:p>
@@ -13512,7 +13453,6 @@
               <a:rPr lang="en-US" sz="2400" dirty="0" smtClean="0"/>
               <a:t>Use template for Ball on b1 and b2.</a:t>
             </a:r>
-            <a:endParaRPr lang="en-US" sz="2400" dirty="0" smtClean="0"/>
           </a:p>
           <a:p>
             <a:pPr>
@@ -14265,11 +14205,7 @@
             <a:pPr marL="742950" lvl="2" indent="-342900"/>
             <a:r>
               <a:rPr lang="en-US" dirty="0" smtClean="0"/>
-              <a:t>If your function is long and unruly, it probably means you are trying to do too much in one function.  Break up your function into </a:t>
-            </a:r>
-            <a:r>
-              <a:rPr lang="en-US" dirty="0" smtClean="0"/>
-              <a:t>separate pieces and use “Combine Simpler Functions.”</a:t>
+              <a:t>If your function is long and unruly, it probably means you are trying to do too much in one function.  Break up your function into separate pieces and use “Combine Simpler Functions.”</a:t>
             </a:r>
             <a:endParaRPr lang="en-US" dirty="0"/>
           </a:p>
@@ -14390,7 +14326,6 @@
               <a:rPr lang="en-US" dirty="0" smtClean="0"/>
               <a:t>Combine Simpler Functions</a:t>
             </a:r>
-            <a:endParaRPr lang="en-US" dirty="0" smtClean="0"/>
           </a:p>
           <a:p>
             <a:pPr lvl="2"/>
@@ -14412,7 +14347,6 @@
               <a:rPr lang="en-US" dirty="0" smtClean="0"/>
               <a:t>Use Template</a:t>
             </a:r>
-            <a:endParaRPr lang="en-US" dirty="0" smtClean="0"/>
           </a:p>
           <a:p>
             <a:pPr lvl="2"/>
@@ -14742,7 +14676,6 @@
               <a:rPr lang="en-US" dirty="0" smtClean="0"/>
               <a:t>.</a:t>
             </a:r>
-            <a:endParaRPr lang="en-US" dirty="0" smtClean="0"/>
           </a:p>
           <a:p>
             <a:r>
@@ -14843,19 +14776,7 @@
           <a:p>
             <a:r>
               <a:rPr lang="en-US" dirty="0" smtClean="0"/>
-              <a:t>You can only </a:t>
-            </a:r>
-            <a:r>
-              <a:rPr lang="en-US" dirty="0" smtClean="0"/>
-              <a:t>use one template</a:t>
-            </a:r>
-            <a:r>
-              <a:rPr lang="en-US" dirty="0" smtClean="0"/>
-              <a:t> </a:t>
-            </a:r>
-            <a:r>
-              <a:rPr lang="en-US" dirty="0" smtClean="0"/>
-              <a:t>at a time.</a:t>
+              <a:t>You can only use one template at a time.</a:t>
             </a:r>
             <a:endParaRPr lang="en-US" dirty="0"/>
           </a:p>
@@ -15046,11 +14967,7 @@
           <a:p>
             <a:r>
               <a:rPr lang="en-US" dirty="0" smtClean="0"/>
-              <a:t>Examining multiple values: </a:t>
-            </a:r>
-            <a:r>
-              <a:rPr lang="en-US" dirty="0" smtClean="0"/>
-              <a:t>example #1</a:t>
+              <a:t>Examining multiple values: example #1</a:t>
             </a:r>
             <a:endParaRPr lang="en-US" dirty="0"/>
           </a:p>
@@ -15314,11 +15231,7 @@
           <a:p>
             <a:r>
               <a:rPr lang="en-US" dirty="0" smtClean="0"/>
-              <a:t>Examining more </a:t>
-            </a:r>
-            <a:r>
-              <a:rPr lang="en-US" dirty="0" smtClean="0"/>
-              <a:t>than one value: example #2</a:t>
+              <a:t>Examining more than one value: example #2</a:t>
             </a:r>
             <a:endParaRPr lang="en-US" dirty="0"/>
           </a:p>
@@ -15406,7 +15319,6 @@
               <a:rPr lang="en-US" dirty="0" smtClean="0"/>
               <a:t>Contract and Purpose Statement:</a:t>
             </a:r>
-            <a:endParaRPr lang="en-US" dirty="0" smtClean="0"/>
           </a:p>
           <a:p>
             <a:pPr marL="0" indent="0">
@@ -15526,14 +15438,7 @@
                 <a:latin typeface="Consolas" panose="020B0609020204030204" pitchFamily="49" charset="0"/>
                 <a:cs typeface="Consolas" panose="020B0609020204030204" pitchFamily="49" charset="0"/>
               </a:rPr>
-              <a:t>;; the given location</a:t>
-            </a:r>
-            <a:r>
-              <a:rPr lang="en-US" sz="2000" b="1" dirty="0" smtClean="0">
-                <a:latin typeface="Consolas" panose="020B0609020204030204" pitchFamily="49" charset="0"/>
-                <a:cs typeface="Consolas" panose="020B0609020204030204" pitchFamily="49" charset="0"/>
-              </a:rPr>
-              <a:t>.</a:t>
+              <a:t>;; the given location.</a:t>
             </a:r>
           </a:p>
           <a:p>
@@ -16136,15 +16041,7 @@
           <a:p>
             <a:r>
               <a:rPr lang="en-US" dirty="0" smtClean="0"/>
-              <a:t>;; </a:t>
-            </a:r>
-            <a:r>
-              <a:rPr lang="en-US" dirty="0" smtClean="0"/>
-              <a:t>the given </a:t>
-            </a:r>
-            <a:r>
-              <a:rPr lang="en-US" dirty="0" smtClean="0"/>
-              <a:t>location.</a:t>
+              <a:t>;; the given location.</a:t>
             </a:r>
           </a:p>
           <a:p>
@@ -16417,15 +16314,7 @@
           <a:p>
             <a:r>
               <a:rPr lang="en-US" dirty="0" smtClean="0"/>
-              <a:t>We first do cases on the mouse </a:t>
-            </a:r>
-            <a:r>
-              <a:rPr lang="en-US" dirty="0" smtClean="0"/>
-              <a:t>event. </a:t>
-            </a:r>
-            <a:r>
-              <a:rPr lang="en-US" dirty="0" smtClean="0"/>
-              <a:t>The </a:t>
+              <a:t>We first do cases on the mouse event. The </a:t>
             </a:r>
             <a:r>
               <a:rPr lang="en-US" dirty="0"/>
@@ -16672,11 +16561,6 @@
               </a:rPr>
               <a:t>all-after-mouse</a:t>
             </a:r>
-            <a:endParaRPr lang="en-US" dirty="0" smtClean="0">
-              <a:solidFill>
-                <a:schemeClr val="tx1"/>
-              </a:solidFill>
-            </a:endParaRPr>
           </a:p>
         </p:txBody>
       </p:sp>
@@ -16726,21 +16610,8 @@
                   <a:schemeClr val="tx1"/>
                 </a:solidFill>
               </a:rPr>
-              <a:t>b</a:t>
-            </a:r>
-            <a:r>
-              <a:rPr lang="en-US" dirty="0" smtClean="0">
-                <a:solidFill>
-                  <a:schemeClr val="tx1"/>
-                </a:solidFill>
-              </a:rPr>
-              <a:t>all-after-drag</a:t>
-            </a:r>
-            <a:endParaRPr lang="en-US" dirty="0" smtClean="0">
-              <a:solidFill>
-                <a:schemeClr val="tx1"/>
-              </a:solidFill>
-            </a:endParaRPr>
+              <a:t>ball-after-drag</a:t>
+            </a:r>
           </a:p>
         </p:txBody>
       </p:sp>
@@ -16790,21 +16661,8 @@
                   <a:schemeClr val="tx1"/>
                 </a:solidFill>
               </a:rPr>
-              <a:t>b</a:t>
-            </a:r>
-            <a:r>
-              <a:rPr lang="en-US" dirty="0" smtClean="0">
-                <a:solidFill>
-                  <a:schemeClr val="tx1"/>
-                </a:solidFill>
-              </a:rPr>
-              <a:t>all-after-button-up</a:t>
-            </a:r>
-            <a:endParaRPr lang="en-US" dirty="0" smtClean="0">
-              <a:solidFill>
-                <a:schemeClr val="tx1"/>
-              </a:solidFill>
-            </a:endParaRPr>
+              <a:t>ball-after-button-up</a:t>
+            </a:r>
           </a:p>
         </p:txBody>
       </p:sp>
@@ -16854,21 +16712,8 @@
                   <a:schemeClr val="tx1"/>
                 </a:solidFill>
               </a:rPr>
-              <a:t>b</a:t>
-            </a:r>
-            <a:r>
-              <a:rPr lang="en-US" dirty="0" smtClean="0">
-                <a:solidFill>
-                  <a:schemeClr val="tx1"/>
-                </a:solidFill>
-              </a:rPr>
-              <a:t>all-after-button-down</a:t>
-            </a:r>
-            <a:endParaRPr lang="en-US" dirty="0" smtClean="0">
-              <a:solidFill>
-                <a:schemeClr val="tx1"/>
-              </a:solidFill>
-            </a:endParaRPr>
+              <a:t>ball-after-button-down</a:t>
+            </a:r>
           </a:p>
         </p:txBody>
       </p:sp>
@@ -17036,7 +16881,6 @@
               <a:rPr lang="en-US" b="1" dirty="0" smtClean="0"/>
               <a:t>ball-after-drag</a:t>
             </a:r>
-            <a:endParaRPr lang="en-US" b="1" dirty="0" smtClean="0"/>
           </a:p>
         </p:txBody>
       </p:sp>
@@ -17125,11 +16969,7 @@
           <a:p>
             <a:r>
               <a:rPr lang="en-US" sz="2400" dirty="0" smtClean="0"/>
-              <a:t>;;      </a:t>
-            </a:r>
-            <a:r>
-              <a:rPr lang="en-US" sz="2400" dirty="0" smtClean="0"/>
-              <a:t>: </a:t>
+              <a:t>;;      : </a:t>
             </a:r>
             <a:r>
               <a:rPr lang="en-US" sz="2400" dirty="0"/>
@@ -17187,7 +17027,6 @@
               <a:rPr lang="en-US" sz="2400" dirty="0" smtClean="0"/>
               <a:t>Use template for Ball on b.</a:t>
             </a:r>
-            <a:endParaRPr lang="en-US" sz="2400" dirty="0" smtClean="0"/>
           </a:p>
           <a:p>
             <a:r>

--- a/Slides/Lesson 2.3 Examining More than One Value.pptx
+++ b/Slides/Lesson 2.3 Examining More than One Value.pptx
@@ -257,7 +257,7 @@
             <a:fld id="{0FAC78B3-EDCE-4187-A1AE-28620314FA32}" type="datetimeFigureOut">
               <a:rPr lang="en-US" smtClean="0"/>
               <a:pPr/>
-              <a:t>8/13/2015</a:t>
+              <a:t>7/26/2016</a:t>
             </a:fld>
             <a:endParaRPr lang="en-US"/>
           </a:p>
@@ -321,38 +321,37 @@
           <a:p>
             <a:pPr lvl="0"/>
             <a:r>
-              <a:rPr lang="en-US" smtClean="0"/>
+              <a:rPr lang="en-US"/>
               <a:t>Click to edit Master text styles</a:t>
             </a:r>
           </a:p>
           <a:p>
             <a:pPr lvl="1"/>
             <a:r>
-              <a:rPr lang="en-US" smtClean="0"/>
+              <a:rPr lang="en-US"/>
               <a:t>Second level</a:t>
             </a:r>
           </a:p>
           <a:p>
             <a:pPr lvl="2"/>
             <a:r>
-              <a:rPr lang="en-US" smtClean="0"/>
+              <a:rPr lang="en-US"/>
               <a:t>Third level</a:t>
             </a:r>
           </a:p>
           <a:p>
             <a:pPr lvl="3"/>
             <a:r>
-              <a:rPr lang="en-US" smtClean="0"/>
+              <a:rPr lang="en-US"/>
               <a:t>Fourth level</a:t>
             </a:r>
           </a:p>
           <a:p>
             <a:pPr lvl="4"/>
             <a:r>
-              <a:rPr lang="en-US" smtClean="0"/>
+              <a:rPr lang="en-US"/>
               <a:t>Fifth level</a:t>
             </a:r>
-            <a:endParaRPr lang="en-US"/>
           </a:p>
         </p:txBody>
       </p:sp>
@@ -649,10 +648,9 @@
           <a:lstStyle/>
           <a:p>
             <a:r>
-              <a:rPr lang="en-US" smtClean="0"/>
+              <a:rPr lang="en-US"/>
               <a:t>Click to edit Master title style</a:t>
             </a:r>
-            <a:endParaRPr lang="en-US"/>
           </a:p>
         </p:txBody>
       </p:sp>
@@ -768,10 +766,9 @@
           </a:lstStyle>
           <a:p>
             <a:r>
-              <a:rPr lang="en-US" smtClean="0"/>
+              <a:rPr lang="en-US"/>
               <a:t>Click to edit Master subtitle style</a:t>
             </a:r>
-            <a:endParaRPr lang="en-US"/>
           </a:p>
         </p:txBody>
       </p:sp>
@@ -800,7 +797,7 @@
           <a:p>
             <a:fld id="{AE36E179-9677-406E-90D9-3402BE92068A}" type="datetime1">
               <a:rPr lang="en-US" smtClean="0"/>
-              <a:t>8/13/2015</a:t>
+              <a:t>7/26/2016</a:t>
             </a:fld>
             <a:endParaRPr lang="en-US"/>
           </a:p>
@@ -862,13 +859,6 @@
   <p:clrMapOvr>
     <a:masterClrMapping/>
   </p:clrMapOvr>
-  <p:timing>
-    <p:tnLst>
-      <p:par>
-        <p:cTn id="1" dur="indefinite" restart="never" nodeType="tmRoot"/>
-      </p:par>
-    </p:tnLst>
-  </p:timing>
 </p:sldLayout>
 </file>
 
@@ -914,10 +904,9 @@
           </a:lstStyle>
           <a:p>
             <a:r>
-              <a:rPr lang="en-US" smtClean="0"/>
+              <a:rPr lang="en-US"/>
               <a:t>Click to edit Master title style</a:t>
             </a:r>
-            <a:endParaRPr lang="en-US"/>
           </a:p>
         </p:txBody>
       </p:sp>
@@ -1041,7 +1030,7 @@
           <a:p>
             <a:pPr lvl="0"/>
             <a:r>
-              <a:rPr lang="en-US" smtClean="0"/>
+              <a:rPr lang="en-US"/>
               <a:t>Click to edit Master text styles</a:t>
             </a:r>
           </a:p>
@@ -1072,7 +1061,7 @@
           <a:p>
             <a:fld id="{9C106CB1-CEAE-4FA9-AC65-2E4B01C62B73}" type="datetime1">
               <a:rPr lang="en-US" smtClean="0"/>
-              <a:t>8/13/2015</a:t>
+              <a:t>7/26/2016</a:t>
             </a:fld>
             <a:endParaRPr lang="en-US"/>
           </a:p>
@@ -1170,10 +1159,9 @@
           <a:lstStyle/>
           <a:p>
             <a:r>
-              <a:rPr lang="en-US" smtClean="0"/>
+              <a:rPr lang="en-US"/>
               <a:t>Click to edit Master title style</a:t>
             </a:r>
-            <a:endParaRPr lang="en-US"/>
           </a:p>
         </p:txBody>
       </p:sp>
@@ -1194,38 +1182,37 @@
           <a:p>
             <a:pPr lvl="0"/>
             <a:r>
-              <a:rPr lang="en-US" smtClean="0"/>
+              <a:rPr lang="en-US"/>
               <a:t>Click to edit Master text styles</a:t>
             </a:r>
           </a:p>
           <a:p>
             <a:pPr lvl="1"/>
             <a:r>
-              <a:rPr lang="en-US" smtClean="0"/>
+              <a:rPr lang="en-US"/>
               <a:t>Second level</a:t>
             </a:r>
           </a:p>
           <a:p>
             <a:pPr lvl="2"/>
             <a:r>
-              <a:rPr lang="en-US" smtClean="0"/>
+              <a:rPr lang="en-US"/>
               <a:t>Third level</a:t>
             </a:r>
           </a:p>
           <a:p>
             <a:pPr lvl="3"/>
             <a:r>
-              <a:rPr lang="en-US" smtClean="0"/>
+              <a:rPr lang="en-US"/>
               <a:t>Fourth level</a:t>
             </a:r>
           </a:p>
           <a:p>
             <a:pPr lvl="4"/>
             <a:r>
-              <a:rPr lang="en-US" smtClean="0"/>
+              <a:rPr lang="en-US"/>
               <a:t>Fifth level</a:t>
             </a:r>
-            <a:endParaRPr lang="en-US"/>
           </a:p>
         </p:txBody>
       </p:sp>
@@ -1254,7 +1241,7 @@
           <a:p>
             <a:fld id="{2D3DB8E0-41F1-4047-A2BB-3AF23AEFB7A8}" type="datetime1">
               <a:rPr lang="en-US" smtClean="0"/>
-              <a:t>8/13/2015</a:t>
+              <a:t>7/26/2016</a:t>
             </a:fld>
             <a:endParaRPr lang="en-US"/>
           </a:p>
@@ -1357,10 +1344,9 @@
           <a:lstStyle/>
           <a:p>
             <a:r>
-              <a:rPr lang="en-US" smtClean="0"/>
+              <a:rPr lang="en-US"/>
               <a:t>Click to edit Master title style</a:t>
             </a:r>
-            <a:endParaRPr lang="en-US"/>
           </a:p>
         </p:txBody>
       </p:sp>
@@ -1386,38 +1372,37 @@
           <a:p>
             <a:pPr lvl="0"/>
             <a:r>
-              <a:rPr lang="en-US" smtClean="0"/>
+              <a:rPr lang="en-US"/>
               <a:t>Click to edit Master text styles</a:t>
             </a:r>
           </a:p>
           <a:p>
             <a:pPr lvl="1"/>
             <a:r>
-              <a:rPr lang="en-US" smtClean="0"/>
+              <a:rPr lang="en-US"/>
               <a:t>Second level</a:t>
             </a:r>
           </a:p>
           <a:p>
             <a:pPr lvl="2"/>
             <a:r>
-              <a:rPr lang="en-US" smtClean="0"/>
+              <a:rPr lang="en-US"/>
               <a:t>Third level</a:t>
             </a:r>
           </a:p>
           <a:p>
             <a:pPr lvl="3"/>
             <a:r>
-              <a:rPr lang="en-US" smtClean="0"/>
+              <a:rPr lang="en-US"/>
               <a:t>Fourth level</a:t>
             </a:r>
           </a:p>
           <a:p>
             <a:pPr lvl="4"/>
             <a:r>
-              <a:rPr lang="en-US" smtClean="0"/>
+              <a:rPr lang="en-US"/>
               <a:t>Fifth level</a:t>
             </a:r>
-            <a:endParaRPr lang="en-US"/>
           </a:p>
         </p:txBody>
       </p:sp>
@@ -1446,7 +1431,7 @@
           <a:p>
             <a:fld id="{2EDFADFF-E434-421D-BD26-7C347DAB516F}" type="datetime1">
               <a:rPr lang="en-US" smtClean="0"/>
-              <a:t>8/13/2015</a:t>
+              <a:t>7/26/2016</a:t>
             </a:fld>
             <a:endParaRPr lang="en-US"/>
           </a:p>
@@ -1561,10 +1546,9 @@
           <a:lstStyle/>
           <a:p>
             <a:r>
-              <a:rPr lang="en-US" smtClean="0"/>
+              <a:rPr lang="en-US"/>
               <a:t>Click to edit Master title style</a:t>
             </a:r>
-            <a:endParaRPr lang="en-US"/>
           </a:p>
         </p:txBody>
       </p:sp>
@@ -1680,10 +1664,9 @@
           </a:lstStyle>
           <a:p>
             <a:r>
-              <a:rPr lang="en-US" smtClean="0"/>
+              <a:rPr lang="en-US"/>
               <a:t>Click to edit Master subtitle style</a:t>
             </a:r>
-            <a:endParaRPr lang="en-US"/>
           </a:p>
         </p:txBody>
       </p:sp>
@@ -1711,7 +1694,7 @@
                 </a:solidFill>
               </a:rPr>
               <a:pPr/>
-              <a:t>8/13/2015</a:t>
+              <a:t>7/26/2016</a:t>
             </a:fld>
             <a:endParaRPr lang="en-US">
               <a:solidFill>
@@ -1794,13 +1777,6 @@
   <p:clrMapOvr>
     <a:masterClrMapping/>
   </p:clrMapOvr>
-  <p:timing>
-    <p:tnLst>
-      <p:par>
-        <p:cTn id="1" dur="indefinite" restart="never" nodeType="tmRoot"/>
-      </p:par>
-    </p:tnLst>
-  </p:timing>
 </p:sldLayout>
 </file>
 
@@ -1843,10 +1819,9 @@
           <a:lstStyle/>
           <a:p>
             <a:r>
-              <a:rPr lang="en-US" dirty="0" smtClean="0"/>
+              <a:rPr lang="en-US" dirty="0"/>
               <a:t>Click to edit Master title style</a:t>
             </a:r>
-            <a:endParaRPr lang="en-US" dirty="0"/>
           </a:p>
         </p:txBody>
       </p:sp>
@@ -1867,38 +1842,37 @@
           <a:p>
             <a:pPr lvl="0"/>
             <a:r>
-              <a:rPr lang="en-US" smtClean="0"/>
+              <a:rPr lang="en-US"/>
               <a:t>Click to edit Master text styles</a:t>
             </a:r>
           </a:p>
           <a:p>
             <a:pPr lvl="1"/>
             <a:r>
-              <a:rPr lang="en-US" smtClean="0"/>
+              <a:rPr lang="en-US"/>
               <a:t>Second level</a:t>
             </a:r>
           </a:p>
           <a:p>
             <a:pPr lvl="2"/>
             <a:r>
-              <a:rPr lang="en-US" smtClean="0"/>
+              <a:rPr lang="en-US"/>
               <a:t>Third level</a:t>
             </a:r>
           </a:p>
           <a:p>
             <a:pPr lvl="3"/>
             <a:r>
-              <a:rPr lang="en-US" smtClean="0"/>
+              <a:rPr lang="en-US"/>
               <a:t>Fourth level</a:t>
             </a:r>
           </a:p>
           <a:p>
             <a:pPr lvl="4"/>
             <a:r>
-              <a:rPr lang="en-US" smtClean="0"/>
+              <a:rPr lang="en-US"/>
               <a:t>Fifth level</a:t>
             </a:r>
-            <a:endParaRPr lang="en-US"/>
           </a:p>
         </p:txBody>
       </p:sp>
@@ -1926,7 +1900,7 @@
                 </a:solidFill>
               </a:rPr>
               <a:pPr/>
-              <a:t>8/13/2015</a:t>
+              <a:t>7/26/2016</a:t>
             </a:fld>
             <a:endParaRPr lang="en-US">
               <a:solidFill>
@@ -2009,13 +1983,6 @@
   <p:clrMapOvr>
     <a:masterClrMapping/>
   </p:clrMapOvr>
-  <p:timing>
-    <p:tnLst>
-      <p:par>
-        <p:cTn id="1" dur="indefinite" restart="never" nodeType="tmRoot"/>
-      </p:par>
-    </p:tnLst>
-  </p:timing>
 </p:sldLayout>
 </file>
 
@@ -2052,10 +2019,9 @@
           <a:lstStyle/>
           <a:p>
             <a:r>
-              <a:rPr lang="en-US" smtClean="0"/>
+              <a:rPr lang="en-US"/>
               <a:t>Click to edit Master title style</a:t>
             </a:r>
-            <a:endParaRPr lang="en-US"/>
           </a:p>
         </p:txBody>
       </p:sp>
@@ -2081,38 +2047,37 @@
           <a:p>
             <a:pPr lvl="0"/>
             <a:r>
-              <a:rPr lang="en-US" dirty="0" smtClean="0"/>
+              <a:rPr lang="en-US" dirty="0"/>
               <a:t>Click to edit Master text styles</a:t>
             </a:r>
           </a:p>
           <a:p>
             <a:pPr lvl="1"/>
             <a:r>
-              <a:rPr lang="en-US" dirty="0" smtClean="0"/>
+              <a:rPr lang="en-US" dirty="0"/>
               <a:t>Second level</a:t>
             </a:r>
           </a:p>
           <a:p>
             <a:pPr lvl="2"/>
             <a:r>
-              <a:rPr lang="en-US" dirty="0" smtClean="0"/>
+              <a:rPr lang="en-US" dirty="0"/>
               <a:t>Third level</a:t>
             </a:r>
           </a:p>
           <a:p>
             <a:pPr lvl="3"/>
             <a:r>
-              <a:rPr lang="en-US" dirty="0" smtClean="0"/>
+              <a:rPr lang="en-US" dirty="0"/>
               <a:t>Fourth level</a:t>
             </a:r>
           </a:p>
           <a:p>
             <a:pPr lvl="4"/>
             <a:r>
-              <a:rPr lang="en-US" dirty="0" smtClean="0"/>
+              <a:rPr lang="en-US" dirty="0"/>
               <a:t>Fifth level</a:t>
             </a:r>
-            <a:endParaRPr lang="en-US" dirty="0"/>
           </a:p>
         </p:txBody>
       </p:sp>
@@ -2140,7 +2105,7 @@
                 </a:solidFill>
               </a:rPr>
               <a:pPr/>
-              <a:t>8/13/2015</a:t>
+              <a:t>7/26/2016</a:t>
             </a:fld>
             <a:endParaRPr lang="en-US">
               <a:solidFill>
@@ -2255,7 +2220,7 @@
           <a:lstStyle/>
           <a:p>
             <a:pPr algn="ctr"/>
-            <a:endParaRPr lang="en-US" dirty="0" smtClean="0">
+            <a:endParaRPr lang="en-US" dirty="0">
               <a:solidFill>
                 <a:prstClr val="black"/>
               </a:solidFill>
@@ -2286,18 +2251,13 @@
           <a:lstStyle/>
           <a:p>
             <a:r>
-              <a:rPr lang="en-US" dirty="0" smtClean="0">
+              <a:rPr lang="en-US" dirty="0">
                 <a:solidFill>
                   <a:prstClr val="black"/>
                 </a:solidFill>
               </a:rPr>
               <a:t>Resize video to this box.</a:t>
             </a:r>
-            <a:endParaRPr lang="en-US" dirty="0">
-              <a:solidFill>
-                <a:prstClr val="black"/>
-              </a:solidFill>
-            </a:endParaRPr>
           </a:p>
         </p:txBody>
       </p:sp>
@@ -2311,13 +2271,6 @@
   <p:clrMapOvr>
     <a:masterClrMapping/>
   </p:clrMapOvr>
-  <p:timing>
-    <p:tnLst>
-      <p:par>
-        <p:cTn id="1" dur="indefinite" restart="never" nodeType="tmRoot"/>
-      </p:par>
-    </p:tnLst>
-  </p:timing>
 </p:sldLayout>
 </file>
 
@@ -2354,10 +2307,9 @@
           <a:lstStyle/>
           <a:p>
             <a:r>
-              <a:rPr lang="en-US" smtClean="0"/>
+              <a:rPr lang="en-US"/>
               <a:t>Click to edit Master title style</a:t>
             </a:r>
-            <a:endParaRPr lang="en-US"/>
           </a:p>
         </p:txBody>
       </p:sp>
@@ -2392,38 +2344,37 @@
           <a:p>
             <a:pPr lvl="0"/>
             <a:r>
-              <a:rPr lang="en-US" dirty="0" smtClean="0"/>
+              <a:rPr lang="en-US" dirty="0"/>
               <a:t>Click to edit Master text styles</a:t>
             </a:r>
           </a:p>
           <a:p>
             <a:pPr lvl="1"/>
             <a:r>
-              <a:rPr lang="en-US" dirty="0" smtClean="0"/>
+              <a:rPr lang="en-US" dirty="0"/>
               <a:t>Second level</a:t>
             </a:r>
           </a:p>
           <a:p>
             <a:pPr lvl="2"/>
             <a:r>
-              <a:rPr lang="en-US" dirty="0" smtClean="0"/>
+              <a:rPr lang="en-US" dirty="0"/>
               <a:t>Third level</a:t>
             </a:r>
           </a:p>
           <a:p>
             <a:pPr lvl="3"/>
             <a:r>
-              <a:rPr lang="en-US" dirty="0" smtClean="0"/>
+              <a:rPr lang="en-US" dirty="0"/>
               <a:t>Fourth level</a:t>
             </a:r>
           </a:p>
           <a:p>
             <a:pPr lvl="4"/>
             <a:r>
-              <a:rPr lang="en-US" dirty="0" smtClean="0"/>
+              <a:rPr lang="en-US" dirty="0"/>
               <a:t>Fifth level</a:t>
             </a:r>
-            <a:endParaRPr lang="en-US" dirty="0"/>
           </a:p>
         </p:txBody>
       </p:sp>
@@ -2451,7 +2402,7 @@
                 </a:solidFill>
               </a:rPr>
               <a:pPr/>
-              <a:t>8/13/2015</a:t>
+              <a:t>7/26/2016</a:t>
             </a:fld>
             <a:endParaRPr lang="en-US">
               <a:solidFill>
@@ -2534,13 +2485,6 @@
   <p:clrMapOvr>
     <a:masterClrMapping/>
   </p:clrMapOvr>
-  <p:timing>
-    <p:tnLst>
-      <p:par>
-        <p:cTn id="1" dur="indefinite" restart="never" nodeType="tmRoot"/>
-      </p:par>
-    </p:tnLst>
-  </p:timing>
 </p:sldLayout>
 </file>
 
@@ -2577,10 +2521,9 @@
           <a:lstStyle/>
           <a:p>
             <a:r>
-              <a:rPr lang="en-US" smtClean="0"/>
+              <a:rPr lang="en-US"/>
               <a:t>Click to edit Master title style</a:t>
             </a:r>
-            <a:endParaRPr lang="en-US"/>
           </a:p>
         </p:txBody>
       </p:sp>
@@ -2609,38 +2552,37 @@
           <a:p>
             <a:pPr lvl="0"/>
             <a:r>
-              <a:rPr lang="en-US" dirty="0" smtClean="0"/>
+              <a:rPr lang="en-US" dirty="0"/>
               <a:t>Click to edit Master text styles</a:t>
             </a:r>
           </a:p>
           <a:p>
             <a:pPr lvl="1"/>
             <a:r>
-              <a:rPr lang="en-US" dirty="0" smtClean="0"/>
+              <a:rPr lang="en-US" dirty="0"/>
               <a:t>Second level</a:t>
             </a:r>
           </a:p>
           <a:p>
             <a:pPr lvl="2"/>
             <a:r>
-              <a:rPr lang="en-US" dirty="0" smtClean="0"/>
+              <a:rPr lang="en-US" dirty="0"/>
               <a:t>Third level</a:t>
             </a:r>
           </a:p>
           <a:p>
             <a:pPr lvl="3"/>
             <a:r>
-              <a:rPr lang="en-US" dirty="0" smtClean="0"/>
+              <a:rPr lang="en-US" dirty="0"/>
               <a:t>Fourth level</a:t>
             </a:r>
           </a:p>
           <a:p>
             <a:pPr lvl="4"/>
             <a:r>
-              <a:rPr lang="en-US" dirty="0" smtClean="0"/>
+              <a:rPr lang="en-US" dirty="0"/>
               <a:t>Fifth level</a:t>
             </a:r>
-            <a:endParaRPr lang="en-US" dirty="0"/>
           </a:p>
         </p:txBody>
       </p:sp>
@@ -2668,7 +2610,7 @@
                 </a:solidFill>
               </a:rPr>
               <a:pPr/>
-              <a:t>8/13/2015</a:t>
+              <a:t>7/26/2016</a:t>
             </a:fld>
             <a:endParaRPr lang="en-US">
               <a:solidFill>
@@ -2800,13 +2742,6 @@
   <p:clrMapOvr>
     <a:masterClrMapping/>
   </p:clrMapOvr>
-  <p:timing>
-    <p:tnLst>
-      <p:par>
-        <p:cTn id="1" dur="indefinite" restart="never" nodeType="tmRoot"/>
-      </p:par>
-    </p:tnLst>
-  </p:timing>
 </p:sldLayout>
 </file>
 
@@ -2852,10 +2787,9 @@
           </a:lstStyle>
           <a:p>
             <a:r>
-              <a:rPr lang="en-US" smtClean="0"/>
+              <a:rPr lang="en-US"/>
               <a:t>Click to edit Master title style</a:t>
             </a:r>
-            <a:endParaRPr lang="en-US"/>
           </a:p>
         </p:txBody>
       </p:sp>
@@ -2972,7 +2906,7 @@
           <a:p>
             <a:pPr lvl="0"/>
             <a:r>
-              <a:rPr lang="en-US" smtClean="0"/>
+              <a:rPr lang="en-US"/>
               <a:t>Click to edit Master text styles</a:t>
             </a:r>
           </a:p>
@@ -3002,7 +2936,7 @@
                 </a:solidFill>
               </a:rPr>
               <a:pPr/>
-              <a:t>8/13/2015</a:t>
+              <a:t>7/26/2016</a:t>
             </a:fld>
             <a:endParaRPr lang="en-US">
               <a:solidFill>
@@ -3121,10 +3055,9 @@
           <a:lstStyle/>
           <a:p>
             <a:r>
-              <a:rPr lang="en-US" smtClean="0"/>
+              <a:rPr lang="en-US"/>
               <a:t>Click to edit Master title style</a:t>
             </a:r>
-            <a:endParaRPr lang="en-US"/>
           </a:p>
         </p:txBody>
       </p:sp>
@@ -3178,38 +3111,37 @@
           <a:p>
             <a:pPr lvl="0"/>
             <a:r>
-              <a:rPr lang="en-US" smtClean="0"/>
+              <a:rPr lang="en-US"/>
               <a:t>Click to edit Master text styles</a:t>
             </a:r>
           </a:p>
           <a:p>
             <a:pPr lvl="1"/>
             <a:r>
-              <a:rPr lang="en-US" smtClean="0"/>
+              <a:rPr lang="en-US"/>
               <a:t>Second level</a:t>
             </a:r>
           </a:p>
           <a:p>
             <a:pPr lvl="2"/>
             <a:r>
-              <a:rPr lang="en-US" smtClean="0"/>
+              <a:rPr lang="en-US"/>
               <a:t>Third level</a:t>
             </a:r>
           </a:p>
           <a:p>
             <a:pPr lvl="3"/>
             <a:r>
-              <a:rPr lang="en-US" smtClean="0"/>
+              <a:rPr lang="en-US"/>
               <a:t>Fourth level</a:t>
             </a:r>
           </a:p>
           <a:p>
             <a:pPr lvl="4"/>
             <a:r>
-              <a:rPr lang="en-US" smtClean="0"/>
+              <a:rPr lang="en-US"/>
               <a:t>Fifth level</a:t>
             </a:r>
-            <a:endParaRPr lang="en-US"/>
           </a:p>
         </p:txBody>
       </p:sp>
@@ -3263,38 +3195,37 @@
           <a:p>
             <a:pPr lvl="0"/>
             <a:r>
-              <a:rPr lang="en-US" smtClean="0"/>
+              <a:rPr lang="en-US"/>
               <a:t>Click to edit Master text styles</a:t>
             </a:r>
           </a:p>
           <a:p>
             <a:pPr lvl="1"/>
             <a:r>
-              <a:rPr lang="en-US" smtClean="0"/>
+              <a:rPr lang="en-US"/>
               <a:t>Second level</a:t>
             </a:r>
           </a:p>
           <a:p>
             <a:pPr lvl="2"/>
             <a:r>
-              <a:rPr lang="en-US" smtClean="0"/>
+              <a:rPr lang="en-US"/>
               <a:t>Third level</a:t>
             </a:r>
           </a:p>
           <a:p>
             <a:pPr lvl="3"/>
             <a:r>
-              <a:rPr lang="en-US" smtClean="0"/>
+              <a:rPr lang="en-US"/>
               <a:t>Fourth level</a:t>
             </a:r>
           </a:p>
           <a:p>
             <a:pPr lvl="4"/>
             <a:r>
-              <a:rPr lang="en-US" smtClean="0"/>
+              <a:rPr lang="en-US"/>
               <a:t>Fifth level</a:t>
             </a:r>
-            <a:endParaRPr lang="en-US"/>
           </a:p>
         </p:txBody>
       </p:sp>
@@ -3322,7 +3253,7 @@
                 </a:solidFill>
               </a:rPr>
               <a:pPr/>
-              <a:t>8/13/2015</a:t>
+              <a:t>7/26/2016</a:t>
             </a:fld>
             <a:endParaRPr lang="en-US">
               <a:solidFill>
@@ -3453,10 +3384,9 @@
           <a:lstStyle/>
           <a:p>
             <a:r>
-              <a:rPr lang="en-US" smtClean="0"/>
+              <a:rPr lang="en-US"/>
               <a:t>Click to edit Master title style</a:t>
             </a:r>
-            <a:endParaRPr lang="en-US"/>
           </a:p>
         </p:txBody>
       </p:sp>
@@ -3477,38 +3407,37 @@
           <a:p>
             <a:pPr lvl="0"/>
             <a:r>
-              <a:rPr lang="en-US" smtClean="0"/>
+              <a:rPr lang="en-US"/>
               <a:t>Click to edit Master text styles</a:t>
             </a:r>
           </a:p>
           <a:p>
             <a:pPr lvl="1"/>
             <a:r>
-              <a:rPr lang="en-US" smtClean="0"/>
+              <a:rPr lang="en-US"/>
               <a:t>Second level</a:t>
             </a:r>
           </a:p>
           <a:p>
             <a:pPr lvl="2"/>
             <a:r>
-              <a:rPr lang="en-US" smtClean="0"/>
+              <a:rPr lang="en-US"/>
               <a:t>Third level</a:t>
             </a:r>
           </a:p>
           <a:p>
             <a:pPr lvl="3"/>
             <a:r>
-              <a:rPr lang="en-US" smtClean="0"/>
+              <a:rPr lang="en-US"/>
               <a:t>Fourth level</a:t>
             </a:r>
           </a:p>
           <a:p>
             <a:pPr lvl="4"/>
             <a:r>
-              <a:rPr lang="en-US" smtClean="0"/>
+              <a:rPr lang="en-US"/>
               <a:t>Fifth level</a:t>
             </a:r>
-            <a:endParaRPr lang="en-US"/>
           </a:p>
         </p:txBody>
       </p:sp>
@@ -3537,7 +3466,7 @@
           <a:p>
             <a:fld id="{3B722677-7067-4D71-BF6A-8259C5E94357}" type="datetime1">
               <a:rPr lang="en-US" smtClean="0"/>
-              <a:t>8/13/2015</a:t>
+              <a:t>7/26/2016</a:t>
             </a:fld>
             <a:endParaRPr lang="en-US"/>
           </a:p>
@@ -3599,13 +3528,6 @@
   <p:clrMapOvr>
     <a:masterClrMapping/>
   </p:clrMapOvr>
-  <p:timing>
-    <p:tnLst>
-      <p:par>
-        <p:cTn id="1" dur="indefinite" restart="never" nodeType="tmRoot"/>
-      </p:par>
-    </p:tnLst>
-  </p:timing>
 </p:sldLayout>
 </file>
 
@@ -3646,10 +3568,9 @@
           </a:lstStyle>
           <a:p>
             <a:r>
-              <a:rPr lang="en-US" smtClean="0"/>
+              <a:rPr lang="en-US"/>
               <a:t>Click to edit Master title style</a:t>
             </a:r>
-            <a:endParaRPr lang="en-US"/>
           </a:p>
         </p:txBody>
       </p:sp>
@@ -3712,7 +3633,7 @@
           <a:p>
             <a:pPr lvl="0"/>
             <a:r>
-              <a:rPr lang="en-US" smtClean="0"/>
+              <a:rPr lang="en-US"/>
               <a:t>Click to edit Master text styles</a:t>
             </a:r>
           </a:p>
@@ -3768,38 +3689,37 @@
           <a:p>
             <a:pPr lvl="0"/>
             <a:r>
-              <a:rPr lang="en-US" smtClean="0"/>
+              <a:rPr lang="en-US"/>
               <a:t>Click to edit Master text styles</a:t>
             </a:r>
           </a:p>
           <a:p>
             <a:pPr lvl="1"/>
             <a:r>
-              <a:rPr lang="en-US" smtClean="0"/>
+              <a:rPr lang="en-US"/>
               <a:t>Second level</a:t>
             </a:r>
           </a:p>
           <a:p>
             <a:pPr lvl="2"/>
             <a:r>
-              <a:rPr lang="en-US" smtClean="0"/>
+              <a:rPr lang="en-US"/>
               <a:t>Third level</a:t>
             </a:r>
           </a:p>
           <a:p>
             <a:pPr lvl="3"/>
             <a:r>
-              <a:rPr lang="en-US" smtClean="0"/>
+              <a:rPr lang="en-US"/>
               <a:t>Fourth level</a:t>
             </a:r>
           </a:p>
           <a:p>
             <a:pPr lvl="4"/>
             <a:r>
-              <a:rPr lang="en-US" smtClean="0"/>
+              <a:rPr lang="en-US"/>
               <a:t>Fifth level</a:t>
             </a:r>
-            <a:endParaRPr lang="en-US"/>
           </a:p>
         </p:txBody>
       </p:sp>
@@ -3862,7 +3782,7 @@
           <a:p>
             <a:pPr lvl="0"/>
             <a:r>
-              <a:rPr lang="en-US" smtClean="0"/>
+              <a:rPr lang="en-US"/>
               <a:t>Click to edit Master text styles</a:t>
             </a:r>
           </a:p>
@@ -3918,38 +3838,37 @@
           <a:p>
             <a:pPr lvl="0"/>
             <a:r>
-              <a:rPr lang="en-US" smtClean="0"/>
+              <a:rPr lang="en-US"/>
               <a:t>Click to edit Master text styles</a:t>
             </a:r>
           </a:p>
           <a:p>
             <a:pPr lvl="1"/>
             <a:r>
-              <a:rPr lang="en-US" smtClean="0"/>
+              <a:rPr lang="en-US"/>
               <a:t>Second level</a:t>
             </a:r>
           </a:p>
           <a:p>
             <a:pPr lvl="2"/>
             <a:r>
-              <a:rPr lang="en-US" smtClean="0"/>
+              <a:rPr lang="en-US"/>
               <a:t>Third level</a:t>
             </a:r>
           </a:p>
           <a:p>
             <a:pPr lvl="3"/>
             <a:r>
-              <a:rPr lang="en-US" smtClean="0"/>
+              <a:rPr lang="en-US"/>
               <a:t>Fourth level</a:t>
             </a:r>
           </a:p>
           <a:p>
             <a:pPr lvl="4"/>
             <a:r>
-              <a:rPr lang="en-US" smtClean="0"/>
+              <a:rPr lang="en-US"/>
               <a:t>Fifth level</a:t>
             </a:r>
-            <a:endParaRPr lang="en-US"/>
           </a:p>
         </p:txBody>
       </p:sp>
@@ -3977,7 +3896,7 @@
                 </a:solidFill>
               </a:rPr>
               <a:pPr/>
-              <a:t>8/13/2015</a:t>
+              <a:t>7/26/2016</a:t>
             </a:fld>
             <a:endParaRPr lang="en-US">
               <a:solidFill>
@@ -4096,10 +4015,9 @@
           <a:lstStyle/>
           <a:p>
             <a:r>
-              <a:rPr lang="en-US" smtClean="0"/>
+              <a:rPr lang="en-US"/>
               <a:t>Click to edit Master title style</a:t>
             </a:r>
-            <a:endParaRPr lang="en-US"/>
           </a:p>
         </p:txBody>
       </p:sp>
@@ -4127,7 +4045,7 @@
                 </a:solidFill>
               </a:rPr>
               <a:pPr/>
-              <a:t>8/13/2015</a:t>
+              <a:t>7/26/2016</a:t>
             </a:fld>
             <a:endParaRPr lang="en-US">
               <a:solidFill>
@@ -4210,13 +4128,6 @@
   <p:clrMapOvr>
     <a:masterClrMapping/>
   </p:clrMapOvr>
-  <p:timing>
-    <p:tnLst>
-      <p:par>
-        <p:cTn id="1" dur="indefinite" restart="never" nodeType="tmRoot"/>
-      </p:par>
-    </p:tnLst>
-  </p:timing>
 </p:sldLayout>
 </file>
 
@@ -4261,7 +4172,7 @@
                 </a:solidFill>
               </a:rPr>
               <a:pPr/>
-              <a:t>8/13/2015</a:t>
+              <a:t>7/26/2016</a:t>
             </a:fld>
             <a:endParaRPr lang="en-US">
               <a:solidFill>
@@ -4389,10 +4300,9 @@
           </a:lstStyle>
           <a:p>
             <a:r>
-              <a:rPr lang="en-US" smtClean="0"/>
+              <a:rPr lang="en-US"/>
               <a:t>Click to edit Master title style</a:t>
             </a:r>
-            <a:endParaRPr lang="en-US"/>
           </a:p>
         </p:txBody>
       </p:sp>
@@ -4446,38 +4356,37 @@
           <a:p>
             <a:pPr lvl="0"/>
             <a:r>
-              <a:rPr lang="en-US" smtClean="0"/>
+              <a:rPr lang="en-US"/>
               <a:t>Click to edit Master text styles</a:t>
             </a:r>
           </a:p>
           <a:p>
             <a:pPr lvl="1"/>
             <a:r>
-              <a:rPr lang="en-US" smtClean="0"/>
+              <a:rPr lang="en-US"/>
               <a:t>Second level</a:t>
             </a:r>
           </a:p>
           <a:p>
             <a:pPr lvl="2"/>
             <a:r>
-              <a:rPr lang="en-US" smtClean="0"/>
+              <a:rPr lang="en-US"/>
               <a:t>Third level</a:t>
             </a:r>
           </a:p>
           <a:p>
             <a:pPr lvl="3"/>
             <a:r>
-              <a:rPr lang="en-US" smtClean="0"/>
+              <a:rPr lang="en-US"/>
               <a:t>Fourth level</a:t>
             </a:r>
           </a:p>
           <a:p>
             <a:pPr lvl="4"/>
             <a:r>
-              <a:rPr lang="en-US" smtClean="0"/>
+              <a:rPr lang="en-US"/>
               <a:t>Fifth level</a:t>
             </a:r>
-            <a:endParaRPr lang="en-US"/>
           </a:p>
         </p:txBody>
       </p:sp>
@@ -4540,7 +4449,7 @@
           <a:p>
             <a:pPr lvl="0"/>
             <a:r>
-              <a:rPr lang="en-US" smtClean="0"/>
+              <a:rPr lang="en-US"/>
               <a:t>Click to edit Master text styles</a:t>
             </a:r>
           </a:p>
@@ -4570,7 +4479,7 @@
                 </a:solidFill>
               </a:rPr>
               <a:pPr/>
-              <a:t>8/13/2015</a:t>
+              <a:t>7/26/2016</a:t>
             </a:fld>
             <a:endParaRPr lang="en-US">
               <a:solidFill>
@@ -4698,10 +4607,9 @@
           </a:lstStyle>
           <a:p>
             <a:r>
-              <a:rPr lang="en-US" smtClean="0"/>
+              <a:rPr lang="en-US"/>
               <a:t>Click to edit Master title style</a:t>
             </a:r>
-            <a:endParaRPr lang="en-US"/>
           </a:p>
         </p:txBody>
       </p:sp>
@@ -4825,7 +4733,7 @@
           <a:p>
             <a:pPr lvl="0"/>
             <a:r>
-              <a:rPr lang="en-US" smtClean="0"/>
+              <a:rPr lang="en-US"/>
               <a:t>Click to edit Master text styles</a:t>
             </a:r>
           </a:p>
@@ -4855,7 +4763,7 @@
                 </a:solidFill>
               </a:rPr>
               <a:pPr/>
-              <a:t>8/13/2015</a:t>
+              <a:t>7/26/2016</a:t>
             </a:fld>
             <a:endParaRPr lang="en-US">
               <a:solidFill>
@@ -4974,10 +4882,9 @@
           <a:lstStyle/>
           <a:p>
             <a:r>
-              <a:rPr lang="en-US" smtClean="0"/>
+              <a:rPr lang="en-US"/>
               <a:t>Click to edit Master title style</a:t>
             </a:r>
-            <a:endParaRPr lang="en-US"/>
           </a:p>
         </p:txBody>
       </p:sp>
@@ -4998,38 +4905,37 @@
           <a:p>
             <a:pPr lvl="0"/>
             <a:r>
-              <a:rPr lang="en-US" smtClean="0"/>
+              <a:rPr lang="en-US"/>
               <a:t>Click to edit Master text styles</a:t>
             </a:r>
           </a:p>
           <a:p>
             <a:pPr lvl="1"/>
             <a:r>
-              <a:rPr lang="en-US" smtClean="0"/>
+              <a:rPr lang="en-US"/>
               <a:t>Second level</a:t>
             </a:r>
           </a:p>
           <a:p>
             <a:pPr lvl="2"/>
             <a:r>
-              <a:rPr lang="en-US" smtClean="0"/>
+              <a:rPr lang="en-US"/>
               <a:t>Third level</a:t>
             </a:r>
           </a:p>
           <a:p>
             <a:pPr lvl="3"/>
             <a:r>
-              <a:rPr lang="en-US" smtClean="0"/>
+              <a:rPr lang="en-US"/>
               <a:t>Fourth level</a:t>
             </a:r>
           </a:p>
           <a:p>
             <a:pPr lvl="4"/>
             <a:r>
-              <a:rPr lang="en-US" smtClean="0"/>
+              <a:rPr lang="en-US"/>
               <a:t>Fifth level</a:t>
             </a:r>
-            <a:endParaRPr lang="en-US"/>
           </a:p>
         </p:txBody>
       </p:sp>
@@ -5057,7 +4963,7 @@
                 </a:solidFill>
               </a:rPr>
               <a:pPr/>
-              <a:t>8/13/2015</a:t>
+              <a:t>7/26/2016</a:t>
             </a:fld>
             <a:endParaRPr lang="en-US">
               <a:solidFill>
@@ -5181,10 +5087,9 @@
           <a:lstStyle/>
           <a:p>
             <a:r>
-              <a:rPr lang="en-US" smtClean="0"/>
+              <a:rPr lang="en-US"/>
               <a:t>Click to edit Master title style</a:t>
             </a:r>
-            <a:endParaRPr lang="en-US"/>
           </a:p>
         </p:txBody>
       </p:sp>
@@ -5210,38 +5115,37 @@
           <a:p>
             <a:pPr lvl="0"/>
             <a:r>
-              <a:rPr lang="en-US" smtClean="0"/>
+              <a:rPr lang="en-US"/>
               <a:t>Click to edit Master text styles</a:t>
             </a:r>
           </a:p>
           <a:p>
             <a:pPr lvl="1"/>
             <a:r>
-              <a:rPr lang="en-US" smtClean="0"/>
+              <a:rPr lang="en-US"/>
               <a:t>Second level</a:t>
             </a:r>
           </a:p>
           <a:p>
             <a:pPr lvl="2"/>
             <a:r>
-              <a:rPr lang="en-US" smtClean="0"/>
+              <a:rPr lang="en-US"/>
               <a:t>Third level</a:t>
             </a:r>
           </a:p>
           <a:p>
             <a:pPr lvl="3"/>
             <a:r>
-              <a:rPr lang="en-US" smtClean="0"/>
+              <a:rPr lang="en-US"/>
               <a:t>Fourth level</a:t>
             </a:r>
           </a:p>
           <a:p>
             <a:pPr lvl="4"/>
             <a:r>
-              <a:rPr lang="en-US" smtClean="0"/>
+              <a:rPr lang="en-US"/>
               <a:t>Fifth level</a:t>
             </a:r>
-            <a:endParaRPr lang="en-US"/>
           </a:p>
         </p:txBody>
       </p:sp>
@@ -5269,7 +5173,7 @@
                 </a:solidFill>
               </a:rPr>
               <a:pPr/>
-              <a:t>8/13/2015</a:t>
+              <a:t>7/26/2016</a:t>
             </a:fld>
             <a:endParaRPr lang="en-US">
               <a:solidFill>
@@ -5405,10 +5309,9 @@
           <a:lstStyle/>
           <a:p>
             <a:r>
-              <a:rPr lang="en-US" smtClean="0"/>
+              <a:rPr lang="en-US"/>
               <a:t>Click to edit Master title style</a:t>
             </a:r>
-            <a:endParaRPr lang="en-US"/>
           </a:p>
         </p:txBody>
       </p:sp>
@@ -5524,10 +5427,9 @@
           </a:lstStyle>
           <a:p>
             <a:r>
-              <a:rPr lang="en-US" smtClean="0"/>
+              <a:rPr lang="en-US"/>
               <a:t>Click to edit Master subtitle style</a:t>
             </a:r>
-            <a:endParaRPr lang="en-US"/>
           </a:p>
         </p:txBody>
       </p:sp>
@@ -5548,7 +5450,7 @@
           <a:p>
             <a:fld id="{2F1F79F5-7BEC-496A-AFC7-876E38F64D71}" type="datetime1">
               <a:rPr lang="en-US" smtClean="0"/>
-              <a:t>8/13/2015</a:t>
+              <a:t>7/26/2016</a:t>
             </a:fld>
             <a:endParaRPr lang="en-US"/>
           </a:p>
@@ -5606,13 +5508,6 @@
   <p:clrMapOvr>
     <a:masterClrMapping/>
   </p:clrMapOvr>
-  <p:timing>
-    <p:tnLst>
-      <p:par>
-        <p:cTn id="1" dur="indefinite" restart="never" nodeType="tmRoot"/>
-      </p:par>
-    </p:tnLst>
-  </p:timing>
 </p:sldLayout>
 </file>
 
@@ -5655,10 +5550,9 @@
           <a:lstStyle/>
           <a:p>
             <a:r>
-              <a:rPr lang="en-US" dirty="0" smtClean="0"/>
+              <a:rPr lang="en-US" dirty="0"/>
               <a:t>Click to edit Master title style</a:t>
             </a:r>
-            <a:endParaRPr lang="en-US" dirty="0"/>
           </a:p>
         </p:txBody>
       </p:sp>
@@ -5679,38 +5573,37 @@
           <a:p>
             <a:pPr lvl="0"/>
             <a:r>
-              <a:rPr lang="en-US" smtClean="0"/>
+              <a:rPr lang="en-US"/>
               <a:t>Click to edit Master text styles</a:t>
             </a:r>
           </a:p>
           <a:p>
             <a:pPr lvl="1"/>
             <a:r>
-              <a:rPr lang="en-US" smtClean="0"/>
+              <a:rPr lang="en-US"/>
               <a:t>Second level</a:t>
             </a:r>
           </a:p>
           <a:p>
             <a:pPr lvl="2"/>
             <a:r>
-              <a:rPr lang="en-US" smtClean="0"/>
+              <a:rPr lang="en-US"/>
               <a:t>Third level</a:t>
             </a:r>
           </a:p>
           <a:p>
             <a:pPr lvl="3"/>
             <a:r>
-              <a:rPr lang="en-US" smtClean="0"/>
+              <a:rPr lang="en-US"/>
               <a:t>Fourth level</a:t>
             </a:r>
           </a:p>
           <a:p>
             <a:pPr lvl="4"/>
             <a:r>
-              <a:rPr lang="en-US" smtClean="0"/>
+              <a:rPr lang="en-US"/>
               <a:t>Fifth level</a:t>
             </a:r>
-            <a:endParaRPr lang="en-US"/>
           </a:p>
         </p:txBody>
       </p:sp>
@@ -5731,7 +5624,7 @@
           <a:p>
             <a:fld id="{E22ED4DA-448D-4BB1-B935-CC112220207B}" type="datetime1">
               <a:rPr lang="en-US" smtClean="0"/>
-              <a:t>8/13/2015</a:t>
+              <a:t>7/26/2016</a:t>
             </a:fld>
             <a:endParaRPr lang="en-US"/>
           </a:p>
@@ -5789,13 +5682,6 @@
   <p:clrMapOvr>
     <a:masterClrMapping/>
   </p:clrMapOvr>
-  <p:timing>
-    <p:tnLst>
-      <p:par>
-        <p:cTn id="1" dur="indefinite" restart="never" nodeType="tmRoot"/>
-      </p:par>
-    </p:tnLst>
-  </p:timing>
 </p:sldLayout>
 </file>
 
@@ -5832,10 +5718,9 @@
           <a:lstStyle/>
           <a:p>
             <a:r>
-              <a:rPr lang="en-US" smtClean="0"/>
+              <a:rPr lang="en-US"/>
               <a:t>Click to edit Master title style</a:t>
             </a:r>
-            <a:endParaRPr lang="en-US"/>
           </a:p>
         </p:txBody>
       </p:sp>
@@ -5861,38 +5746,37 @@
           <a:p>
             <a:pPr lvl="0"/>
             <a:r>
-              <a:rPr lang="en-US" dirty="0" smtClean="0"/>
+              <a:rPr lang="en-US" dirty="0"/>
               <a:t>Click to edit Master text styles</a:t>
             </a:r>
           </a:p>
           <a:p>
             <a:pPr lvl="1"/>
             <a:r>
-              <a:rPr lang="en-US" dirty="0" smtClean="0"/>
+              <a:rPr lang="en-US" dirty="0"/>
               <a:t>Second level</a:t>
             </a:r>
           </a:p>
           <a:p>
             <a:pPr lvl="2"/>
             <a:r>
-              <a:rPr lang="en-US" dirty="0" smtClean="0"/>
+              <a:rPr lang="en-US" dirty="0"/>
               <a:t>Third level</a:t>
             </a:r>
           </a:p>
           <a:p>
             <a:pPr lvl="3"/>
             <a:r>
-              <a:rPr lang="en-US" dirty="0" smtClean="0"/>
+              <a:rPr lang="en-US" dirty="0"/>
               <a:t>Fourth level</a:t>
             </a:r>
           </a:p>
           <a:p>
             <a:pPr lvl="4"/>
             <a:r>
-              <a:rPr lang="en-US" dirty="0" smtClean="0"/>
+              <a:rPr lang="en-US" dirty="0"/>
               <a:t>Fifth level</a:t>
             </a:r>
-            <a:endParaRPr lang="en-US" dirty="0"/>
           </a:p>
         </p:txBody>
       </p:sp>
@@ -5913,7 +5797,7 @@
           <a:p>
             <a:fld id="{E22ED4DA-448D-4BB1-B935-CC112220207B}" type="datetime1">
               <a:rPr lang="en-US" smtClean="0"/>
-              <a:t>8/13/2015</a:t>
+              <a:t>7/26/2016</a:t>
             </a:fld>
             <a:endParaRPr lang="en-US"/>
           </a:p>
@@ -6003,7 +5887,7 @@
           <a:lstStyle/>
           <a:p>
             <a:pPr algn="ctr"/>
-            <a:endParaRPr lang="en-US" dirty="0" smtClean="0">
+            <a:endParaRPr lang="en-US" dirty="0">
               <a:solidFill>
                 <a:schemeClr val="tx1"/>
               </a:solidFill>
@@ -6034,11 +5918,11 @@
           <a:lstStyle/>
           <a:p>
             <a:r>
-              <a:rPr lang="en-US" dirty="0" smtClean="0"/>
+              <a:rPr lang="en-US" dirty="0"/>
               <a:t>Resize video to this</a:t>
             </a:r>
             <a:r>
-              <a:rPr lang="en-US" baseline="0" dirty="0" smtClean="0"/>
+              <a:rPr lang="en-US" baseline="0" dirty="0"/>
               <a:t> box.</a:t>
             </a:r>
             <a:endParaRPr lang="en-US" dirty="0"/>
@@ -6055,13 +5939,6 @@
   <p:clrMapOvr>
     <a:masterClrMapping/>
   </p:clrMapOvr>
-  <p:timing>
-    <p:tnLst>
-      <p:par>
-        <p:cTn id="1" dur="indefinite" restart="never" nodeType="tmRoot"/>
-      </p:par>
-    </p:tnLst>
-  </p:timing>
 </p:sldLayout>
 </file>
 
@@ -6110,10 +5987,9 @@
           <a:lstStyle/>
           <a:p>
             <a:r>
-              <a:rPr lang="en-US" dirty="0" smtClean="0"/>
+              <a:rPr lang="en-US" dirty="0"/>
               <a:t>Click to edit Master title style</a:t>
             </a:r>
-            <a:endParaRPr lang="en-US" dirty="0"/>
           </a:p>
         </p:txBody>
       </p:sp>
@@ -6145,38 +6021,37 @@
           <a:p>
             <a:pPr lvl="0"/>
             <a:r>
-              <a:rPr lang="en-US" dirty="0" smtClean="0"/>
+              <a:rPr lang="en-US" dirty="0"/>
               <a:t>Click to edit Master text styles</a:t>
             </a:r>
           </a:p>
           <a:p>
             <a:pPr lvl="1"/>
             <a:r>
-              <a:rPr lang="en-US" dirty="0" smtClean="0"/>
+              <a:rPr lang="en-US" dirty="0"/>
               <a:t>Second level</a:t>
             </a:r>
           </a:p>
           <a:p>
             <a:pPr lvl="2"/>
             <a:r>
-              <a:rPr lang="en-US" dirty="0" smtClean="0"/>
+              <a:rPr lang="en-US" dirty="0"/>
               <a:t>Third level</a:t>
             </a:r>
           </a:p>
           <a:p>
             <a:pPr lvl="3"/>
             <a:r>
-              <a:rPr lang="en-US" dirty="0" smtClean="0"/>
+              <a:rPr lang="en-US" dirty="0"/>
               <a:t>Fourth level</a:t>
             </a:r>
           </a:p>
           <a:p>
             <a:pPr lvl="4"/>
             <a:r>
-              <a:rPr lang="en-US" dirty="0" smtClean="0"/>
+              <a:rPr lang="en-US" dirty="0"/>
               <a:t>Fifth level</a:t>
             </a:r>
-            <a:endParaRPr lang="en-US" dirty="0"/>
           </a:p>
         </p:txBody>
       </p:sp>
@@ -6214,13 +6089,6 @@
   <p:clrMapOvr>
     <a:masterClrMapping/>
   </p:clrMapOvr>
-  <p:timing>
-    <p:tnLst>
-      <p:par>
-        <p:cTn id="1" dur="indefinite" restart="never" nodeType="tmRoot"/>
-      </p:par>
-    </p:tnLst>
-  </p:timing>
 </p:sldLayout>
 </file>
 
@@ -6257,10 +6125,9 @@
           <a:lstStyle/>
           <a:p>
             <a:r>
-              <a:rPr lang="en-US" smtClean="0"/>
+              <a:rPr lang="en-US"/>
               <a:t>Click to edit Master title style</a:t>
             </a:r>
-            <a:endParaRPr lang="en-US"/>
           </a:p>
         </p:txBody>
       </p:sp>
@@ -6295,38 +6162,37 @@
           <a:p>
             <a:pPr lvl="0"/>
             <a:r>
-              <a:rPr lang="en-US" dirty="0" smtClean="0"/>
+              <a:rPr lang="en-US" dirty="0"/>
               <a:t>Click to edit Master text styles</a:t>
             </a:r>
           </a:p>
           <a:p>
             <a:pPr lvl="1"/>
             <a:r>
-              <a:rPr lang="en-US" dirty="0" smtClean="0"/>
+              <a:rPr lang="en-US" dirty="0"/>
               <a:t>Second level</a:t>
             </a:r>
           </a:p>
           <a:p>
             <a:pPr lvl="2"/>
             <a:r>
-              <a:rPr lang="en-US" dirty="0" smtClean="0"/>
+              <a:rPr lang="en-US" dirty="0"/>
               <a:t>Third level</a:t>
             </a:r>
           </a:p>
           <a:p>
             <a:pPr lvl="3"/>
             <a:r>
-              <a:rPr lang="en-US" dirty="0" smtClean="0"/>
+              <a:rPr lang="en-US" dirty="0"/>
               <a:t>Fourth level</a:t>
             </a:r>
           </a:p>
           <a:p>
             <a:pPr lvl="4"/>
             <a:r>
-              <a:rPr lang="en-US" dirty="0" smtClean="0"/>
+              <a:rPr lang="en-US" dirty="0"/>
               <a:t>Fifth level</a:t>
             </a:r>
-            <a:endParaRPr lang="en-US" dirty="0"/>
           </a:p>
         </p:txBody>
       </p:sp>
@@ -6347,7 +6213,7 @@
           <a:p>
             <a:fld id="{FF5D65A6-AB94-4435-B0B7-3743215FA46C}" type="datetime1">
               <a:rPr lang="en-US" smtClean="0"/>
-              <a:t>8/13/2015</a:t>
+              <a:t>7/26/2016</a:t>
             </a:fld>
             <a:endParaRPr lang="en-US"/>
           </a:p>
@@ -6405,13 +6271,6 @@
   <p:clrMapOvr>
     <a:masterClrMapping/>
   </p:clrMapOvr>
-  <p:timing>
-    <p:tnLst>
-      <p:par>
-        <p:cTn id="1" dur="indefinite" restart="never" nodeType="tmRoot"/>
-      </p:par>
-    </p:tnLst>
-  </p:timing>
 </p:sldLayout>
 </file>
 
@@ -6448,10 +6307,9 @@
           <a:lstStyle/>
           <a:p>
             <a:r>
-              <a:rPr lang="en-US" smtClean="0"/>
+              <a:rPr lang="en-US"/>
               <a:t>Click to edit Master title style</a:t>
             </a:r>
-            <a:endParaRPr lang="en-US"/>
           </a:p>
         </p:txBody>
       </p:sp>
@@ -6480,38 +6338,37 @@
           <a:p>
             <a:pPr lvl="0"/>
             <a:r>
-              <a:rPr lang="en-US" dirty="0" smtClean="0"/>
+              <a:rPr lang="en-US" dirty="0"/>
               <a:t>Click to edit Master text styles</a:t>
             </a:r>
           </a:p>
           <a:p>
             <a:pPr lvl="1"/>
             <a:r>
-              <a:rPr lang="en-US" dirty="0" smtClean="0"/>
+              <a:rPr lang="en-US" dirty="0"/>
               <a:t>Second level</a:t>
             </a:r>
           </a:p>
           <a:p>
             <a:pPr lvl="2"/>
             <a:r>
-              <a:rPr lang="en-US" dirty="0" smtClean="0"/>
+              <a:rPr lang="en-US" dirty="0"/>
               <a:t>Third level</a:t>
             </a:r>
           </a:p>
           <a:p>
             <a:pPr lvl="3"/>
             <a:r>
-              <a:rPr lang="en-US" dirty="0" smtClean="0"/>
+              <a:rPr lang="en-US" dirty="0"/>
               <a:t>Fourth level</a:t>
             </a:r>
           </a:p>
           <a:p>
             <a:pPr lvl="4"/>
             <a:r>
-              <a:rPr lang="en-US" dirty="0" smtClean="0"/>
+              <a:rPr lang="en-US" dirty="0"/>
               <a:t>Fifth level</a:t>
             </a:r>
-            <a:endParaRPr lang="en-US" dirty="0"/>
           </a:p>
         </p:txBody>
       </p:sp>
@@ -6532,7 +6389,7 @@
           <a:p>
             <a:fld id="{FF5D65A6-AB94-4435-B0B7-3743215FA46C}" type="datetime1">
               <a:rPr lang="en-US" smtClean="0"/>
-              <a:t>8/13/2015</a:t>
+              <a:t>7/26/2016</a:t>
             </a:fld>
             <a:endParaRPr lang="en-US"/>
           </a:p>
@@ -6639,13 +6496,6 @@
   <p:clrMapOvr>
     <a:masterClrMapping/>
   </p:clrMapOvr>
-  <p:timing>
-    <p:tnLst>
-      <p:par>
-        <p:cTn id="1" dur="indefinite" restart="never" nodeType="tmRoot"/>
-      </p:par>
-    </p:tnLst>
-  </p:timing>
 </p:sldLayout>
 </file>
 
@@ -6691,10 +6541,9 @@
           </a:lstStyle>
           <a:p>
             <a:r>
-              <a:rPr lang="en-US" smtClean="0"/>
+              <a:rPr lang="en-US"/>
               <a:t>Click to edit Master title style</a:t>
             </a:r>
-            <a:endParaRPr lang="en-US"/>
           </a:p>
         </p:txBody>
       </p:sp>
@@ -6811,7 +6660,7 @@
           <a:p>
             <a:pPr lvl="0"/>
             <a:r>
-              <a:rPr lang="en-US" smtClean="0"/>
+              <a:rPr lang="en-US"/>
               <a:t>Click to edit Master text styles</a:t>
             </a:r>
           </a:p>
@@ -6834,7 +6683,7 @@
           <a:p>
             <a:fld id="{7C193DC4-6EF0-48C9-B29C-616106A645E1}" type="datetime1">
               <a:rPr lang="en-US" smtClean="0"/>
-              <a:t>8/13/2015</a:t>
+              <a:t>7/26/2016</a:t>
             </a:fld>
             <a:endParaRPr lang="en-US"/>
           </a:p>
@@ -6928,10 +6777,9 @@
           <a:lstStyle/>
           <a:p>
             <a:r>
-              <a:rPr lang="en-US" smtClean="0"/>
+              <a:rPr lang="en-US"/>
               <a:t>Click to edit Master title style</a:t>
             </a:r>
-            <a:endParaRPr lang="en-US"/>
           </a:p>
         </p:txBody>
       </p:sp>
@@ -6985,38 +6833,37 @@
           <a:p>
             <a:pPr lvl="0"/>
             <a:r>
-              <a:rPr lang="en-US" smtClean="0"/>
+              <a:rPr lang="en-US"/>
               <a:t>Click to edit Master text styles</a:t>
             </a:r>
           </a:p>
           <a:p>
             <a:pPr lvl="1"/>
             <a:r>
-              <a:rPr lang="en-US" smtClean="0"/>
+              <a:rPr lang="en-US"/>
               <a:t>Second level</a:t>
             </a:r>
           </a:p>
           <a:p>
             <a:pPr lvl="2"/>
             <a:r>
-              <a:rPr lang="en-US" smtClean="0"/>
+              <a:rPr lang="en-US"/>
               <a:t>Third level</a:t>
             </a:r>
           </a:p>
           <a:p>
             <a:pPr lvl="3"/>
             <a:r>
-              <a:rPr lang="en-US" smtClean="0"/>
+              <a:rPr lang="en-US"/>
               <a:t>Fourth level</a:t>
             </a:r>
           </a:p>
           <a:p>
             <a:pPr lvl="4"/>
             <a:r>
-              <a:rPr lang="en-US" smtClean="0"/>
+              <a:rPr lang="en-US"/>
               <a:t>Fifth level</a:t>
             </a:r>
-            <a:endParaRPr lang="en-US"/>
           </a:p>
         </p:txBody>
       </p:sp>
@@ -7070,38 +6917,37 @@
           <a:p>
             <a:pPr lvl="0"/>
             <a:r>
-              <a:rPr lang="en-US" smtClean="0"/>
+              <a:rPr lang="en-US"/>
               <a:t>Click to edit Master text styles</a:t>
             </a:r>
           </a:p>
           <a:p>
             <a:pPr lvl="1"/>
             <a:r>
-              <a:rPr lang="en-US" smtClean="0"/>
+              <a:rPr lang="en-US"/>
               <a:t>Second level</a:t>
             </a:r>
           </a:p>
           <a:p>
             <a:pPr lvl="2"/>
             <a:r>
-              <a:rPr lang="en-US" smtClean="0"/>
+              <a:rPr lang="en-US"/>
               <a:t>Third level</a:t>
             </a:r>
           </a:p>
           <a:p>
             <a:pPr lvl="3"/>
             <a:r>
-              <a:rPr lang="en-US" smtClean="0"/>
+              <a:rPr lang="en-US"/>
               <a:t>Fourth level</a:t>
             </a:r>
           </a:p>
           <a:p>
             <a:pPr lvl="4"/>
             <a:r>
-              <a:rPr lang="en-US" smtClean="0"/>
+              <a:rPr lang="en-US"/>
               <a:t>Fifth level</a:t>
             </a:r>
-            <a:endParaRPr lang="en-US"/>
           </a:p>
         </p:txBody>
       </p:sp>
@@ -7122,7 +6968,7 @@
           <a:p>
             <a:fld id="{5D1846AD-9252-4647-9435-4C2AC365653A}" type="datetime1">
               <a:rPr lang="en-US" smtClean="0"/>
-              <a:t>8/13/2015</a:t>
+              <a:t>7/26/2016</a:t>
             </a:fld>
             <a:endParaRPr lang="en-US"/>
           </a:p>
@@ -7220,10 +7066,9 @@
           </a:lstStyle>
           <a:p>
             <a:r>
-              <a:rPr lang="en-US" smtClean="0"/>
+              <a:rPr lang="en-US"/>
               <a:t>Click to edit Master title style</a:t>
             </a:r>
-            <a:endParaRPr lang="en-US"/>
           </a:p>
         </p:txBody>
       </p:sp>
@@ -7286,7 +7131,7 @@
           <a:p>
             <a:pPr lvl="0"/>
             <a:r>
-              <a:rPr lang="en-US" smtClean="0"/>
+              <a:rPr lang="en-US"/>
               <a:t>Click to edit Master text styles</a:t>
             </a:r>
           </a:p>
@@ -7342,38 +7187,37 @@
           <a:p>
             <a:pPr lvl="0"/>
             <a:r>
-              <a:rPr lang="en-US" smtClean="0"/>
+              <a:rPr lang="en-US"/>
               <a:t>Click to edit Master text styles</a:t>
             </a:r>
           </a:p>
           <a:p>
             <a:pPr lvl="1"/>
             <a:r>
-              <a:rPr lang="en-US" smtClean="0"/>
+              <a:rPr lang="en-US"/>
               <a:t>Second level</a:t>
             </a:r>
           </a:p>
           <a:p>
             <a:pPr lvl="2"/>
             <a:r>
-              <a:rPr lang="en-US" smtClean="0"/>
+              <a:rPr lang="en-US"/>
               <a:t>Third level</a:t>
             </a:r>
           </a:p>
           <a:p>
             <a:pPr lvl="3"/>
             <a:r>
-              <a:rPr lang="en-US" smtClean="0"/>
+              <a:rPr lang="en-US"/>
               <a:t>Fourth level</a:t>
             </a:r>
           </a:p>
           <a:p>
             <a:pPr lvl="4"/>
             <a:r>
-              <a:rPr lang="en-US" smtClean="0"/>
+              <a:rPr lang="en-US"/>
               <a:t>Fifth level</a:t>
             </a:r>
-            <a:endParaRPr lang="en-US"/>
           </a:p>
         </p:txBody>
       </p:sp>
@@ -7436,7 +7280,7 @@
           <a:p>
             <a:pPr lvl="0"/>
             <a:r>
-              <a:rPr lang="en-US" smtClean="0"/>
+              <a:rPr lang="en-US"/>
               <a:t>Click to edit Master text styles</a:t>
             </a:r>
           </a:p>
@@ -7492,38 +7336,37 @@
           <a:p>
             <a:pPr lvl="0"/>
             <a:r>
-              <a:rPr lang="en-US" smtClean="0"/>
+              <a:rPr lang="en-US"/>
               <a:t>Click to edit Master text styles</a:t>
             </a:r>
           </a:p>
           <a:p>
             <a:pPr lvl="1"/>
             <a:r>
-              <a:rPr lang="en-US" smtClean="0"/>
+              <a:rPr lang="en-US"/>
               <a:t>Second level</a:t>
             </a:r>
           </a:p>
           <a:p>
             <a:pPr lvl="2"/>
             <a:r>
-              <a:rPr lang="en-US" smtClean="0"/>
+              <a:rPr lang="en-US"/>
               <a:t>Third level</a:t>
             </a:r>
           </a:p>
           <a:p>
             <a:pPr lvl="3"/>
             <a:r>
-              <a:rPr lang="en-US" smtClean="0"/>
+              <a:rPr lang="en-US"/>
               <a:t>Fourth level</a:t>
             </a:r>
           </a:p>
           <a:p>
             <a:pPr lvl="4"/>
             <a:r>
-              <a:rPr lang="en-US" smtClean="0"/>
+              <a:rPr lang="en-US"/>
               <a:t>Fifth level</a:t>
             </a:r>
-            <a:endParaRPr lang="en-US"/>
           </a:p>
         </p:txBody>
       </p:sp>
@@ -7544,7 +7387,7 @@
           <a:p>
             <a:fld id="{CE56DC10-3561-4063-A6AF-C1CC7A41040A}" type="datetime1">
               <a:rPr lang="en-US" smtClean="0"/>
-              <a:t>8/13/2015</a:t>
+              <a:t>7/26/2016</a:t>
             </a:fld>
             <a:endParaRPr lang="en-US"/>
           </a:p>
@@ -7638,10 +7481,9 @@
           <a:lstStyle/>
           <a:p>
             <a:r>
-              <a:rPr lang="en-US" smtClean="0"/>
+              <a:rPr lang="en-US"/>
               <a:t>Click to edit Master title style</a:t>
             </a:r>
-            <a:endParaRPr lang="en-US"/>
           </a:p>
         </p:txBody>
       </p:sp>
@@ -7662,7 +7504,7 @@
           <a:p>
             <a:fld id="{2F7B77F5-1464-4F6B-92A8-64FC8A508293}" type="datetime1">
               <a:rPr lang="en-US" smtClean="0"/>
-              <a:t>8/13/2015</a:t>
+              <a:t>7/26/2016</a:t>
             </a:fld>
             <a:endParaRPr lang="en-US"/>
           </a:p>
@@ -7720,13 +7562,6 @@
   <p:clrMapOvr>
     <a:masterClrMapping/>
   </p:clrMapOvr>
-  <p:timing>
-    <p:tnLst>
-      <p:par>
-        <p:cTn id="1" dur="indefinite" restart="never" nodeType="tmRoot"/>
-      </p:par>
-    </p:tnLst>
-  </p:timing>
 </p:sldLayout>
 </file>
 
@@ -7764,7 +7599,7 @@
           <a:p>
             <a:fld id="{0A05703A-7669-4FEA-9056-25299B4D29D4}" type="datetime1">
               <a:rPr lang="en-US" smtClean="0"/>
-              <a:t>8/13/2015</a:t>
+              <a:t>7/26/2016</a:t>
             </a:fld>
             <a:endParaRPr lang="en-US"/>
           </a:p>
@@ -7867,10 +7702,9 @@
           </a:lstStyle>
           <a:p>
             <a:r>
-              <a:rPr lang="en-US" smtClean="0"/>
+              <a:rPr lang="en-US"/>
               <a:t>Click to edit Master title style</a:t>
             </a:r>
-            <a:endParaRPr lang="en-US"/>
           </a:p>
         </p:txBody>
       </p:sp>
@@ -7924,38 +7758,37 @@
           <a:p>
             <a:pPr lvl="0"/>
             <a:r>
-              <a:rPr lang="en-US" smtClean="0"/>
+              <a:rPr lang="en-US"/>
               <a:t>Click to edit Master text styles</a:t>
             </a:r>
           </a:p>
           <a:p>
             <a:pPr lvl="1"/>
             <a:r>
-              <a:rPr lang="en-US" smtClean="0"/>
+              <a:rPr lang="en-US"/>
               <a:t>Second level</a:t>
             </a:r>
           </a:p>
           <a:p>
             <a:pPr lvl="2"/>
             <a:r>
-              <a:rPr lang="en-US" smtClean="0"/>
+              <a:rPr lang="en-US"/>
               <a:t>Third level</a:t>
             </a:r>
           </a:p>
           <a:p>
             <a:pPr lvl="3"/>
             <a:r>
-              <a:rPr lang="en-US" smtClean="0"/>
+              <a:rPr lang="en-US"/>
               <a:t>Fourth level</a:t>
             </a:r>
           </a:p>
           <a:p>
             <a:pPr lvl="4"/>
             <a:r>
-              <a:rPr lang="en-US" smtClean="0"/>
+              <a:rPr lang="en-US"/>
               <a:t>Fifth level</a:t>
             </a:r>
-            <a:endParaRPr lang="en-US"/>
           </a:p>
         </p:txBody>
       </p:sp>
@@ -8018,7 +7851,7 @@
           <a:p>
             <a:pPr lvl="0"/>
             <a:r>
-              <a:rPr lang="en-US" smtClean="0"/>
+              <a:rPr lang="en-US"/>
               <a:t>Click to edit Master text styles</a:t>
             </a:r>
           </a:p>
@@ -8041,7 +7874,7 @@
           <a:p>
             <a:fld id="{6E5077B5-BB57-49DB-88CA-226A139E5C01}" type="datetime1">
               <a:rPr lang="en-US" smtClean="0"/>
-              <a:t>8/13/2015</a:t>
+              <a:t>7/26/2016</a:t>
             </a:fld>
             <a:endParaRPr lang="en-US"/>
           </a:p>
@@ -8144,10 +7977,9 @@
           </a:lstStyle>
           <a:p>
             <a:r>
-              <a:rPr lang="en-US" smtClean="0"/>
+              <a:rPr lang="en-US"/>
               <a:t>Click to edit Master title style</a:t>
             </a:r>
-            <a:endParaRPr lang="en-US"/>
           </a:p>
         </p:txBody>
       </p:sp>
@@ -8271,7 +8103,7 @@
           <a:p>
             <a:pPr lvl="0"/>
             <a:r>
-              <a:rPr lang="en-US" smtClean="0"/>
+              <a:rPr lang="en-US"/>
               <a:t>Click to edit Master text styles</a:t>
             </a:r>
           </a:p>
@@ -8294,7 +8126,7 @@
           <a:p>
             <a:fld id="{C48D9447-CBD6-49A1-89FD-8512A8CF8999}" type="datetime1">
               <a:rPr lang="en-US" smtClean="0"/>
-              <a:t>8/13/2015</a:t>
+              <a:t>7/26/2016</a:t>
             </a:fld>
             <a:endParaRPr lang="en-US"/>
           </a:p>
@@ -8388,10 +8220,9 @@
           <a:lstStyle/>
           <a:p>
             <a:r>
-              <a:rPr lang="en-US" smtClean="0"/>
+              <a:rPr lang="en-US"/>
               <a:t>Click to edit Master title style</a:t>
             </a:r>
-            <a:endParaRPr lang="en-US"/>
           </a:p>
         </p:txBody>
       </p:sp>
@@ -8412,38 +8243,37 @@
           <a:p>
             <a:pPr lvl="0"/>
             <a:r>
-              <a:rPr lang="en-US" smtClean="0"/>
+              <a:rPr lang="en-US"/>
               <a:t>Click to edit Master text styles</a:t>
             </a:r>
           </a:p>
           <a:p>
             <a:pPr lvl="1"/>
             <a:r>
-              <a:rPr lang="en-US" smtClean="0"/>
+              <a:rPr lang="en-US"/>
               <a:t>Second level</a:t>
             </a:r>
           </a:p>
           <a:p>
             <a:pPr lvl="2"/>
             <a:r>
-              <a:rPr lang="en-US" smtClean="0"/>
+              <a:rPr lang="en-US"/>
               <a:t>Third level</a:t>
             </a:r>
           </a:p>
           <a:p>
             <a:pPr lvl="3"/>
             <a:r>
-              <a:rPr lang="en-US" smtClean="0"/>
+              <a:rPr lang="en-US"/>
               <a:t>Fourth level</a:t>
             </a:r>
           </a:p>
           <a:p>
             <a:pPr lvl="4"/>
             <a:r>
-              <a:rPr lang="en-US" smtClean="0"/>
+              <a:rPr lang="en-US"/>
               <a:t>Fifth level</a:t>
             </a:r>
-            <a:endParaRPr lang="en-US"/>
           </a:p>
         </p:txBody>
       </p:sp>
@@ -8464,7 +8294,7 @@
           <a:p>
             <a:fld id="{A3639A2A-823D-48B7-9ACE-7FAF42870BA9}" type="datetime1">
               <a:rPr lang="en-US" smtClean="0"/>
-              <a:t>8/13/2015</a:t>
+              <a:t>7/26/2016</a:t>
             </a:fld>
             <a:endParaRPr lang="en-US"/>
           </a:p>
@@ -8567,10 +8397,9 @@
           </a:lstStyle>
           <a:p>
             <a:r>
-              <a:rPr lang="en-US" smtClean="0"/>
+              <a:rPr lang="en-US"/>
               <a:t>Click to edit Master title style</a:t>
             </a:r>
-            <a:endParaRPr lang="en-US"/>
           </a:p>
         </p:txBody>
       </p:sp>
@@ -8687,7 +8516,7 @@
           <a:p>
             <a:pPr lvl="0"/>
             <a:r>
-              <a:rPr lang="en-US" smtClean="0"/>
+              <a:rPr lang="en-US"/>
               <a:t>Click to edit Master text styles</a:t>
             </a:r>
           </a:p>
@@ -8718,7 +8547,7 @@
           <a:p>
             <a:fld id="{0C6FD516-C588-49F9-8A09-31EF43101ACE}" type="datetime1">
               <a:rPr lang="en-US" smtClean="0"/>
-              <a:t>8/13/2015</a:t>
+              <a:t>7/26/2016</a:t>
             </a:fld>
             <a:endParaRPr lang="en-US"/>
           </a:p>
@@ -8821,10 +8650,9 @@
           <a:lstStyle/>
           <a:p>
             <a:r>
-              <a:rPr lang="en-US" smtClean="0"/>
+              <a:rPr lang="en-US"/>
               <a:t>Click to edit Master title style</a:t>
             </a:r>
-            <a:endParaRPr lang="en-US"/>
           </a:p>
         </p:txBody>
       </p:sp>
@@ -8850,38 +8678,37 @@
           <a:p>
             <a:pPr lvl="0"/>
             <a:r>
-              <a:rPr lang="en-US" smtClean="0"/>
+              <a:rPr lang="en-US"/>
               <a:t>Click to edit Master text styles</a:t>
             </a:r>
           </a:p>
           <a:p>
             <a:pPr lvl="1"/>
             <a:r>
-              <a:rPr lang="en-US" smtClean="0"/>
+              <a:rPr lang="en-US"/>
               <a:t>Second level</a:t>
             </a:r>
           </a:p>
           <a:p>
             <a:pPr lvl="2"/>
             <a:r>
-              <a:rPr lang="en-US" smtClean="0"/>
+              <a:rPr lang="en-US"/>
               <a:t>Third level</a:t>
             </a:r>
           </a:p>
           <a:p>
             <a:pPr lvl="3"/>
             <a:r>
-              <a:rPr lang="en-US" smtClean="0"/>
+              <a:rPr lang="en-US"/>
               <a:t>Fourth level</a:t>
             </a:r>
           </a:p>
           <a:p>
             <a:pPr lvl="4"/>
             <a:r>
-              <a:rPr lang="en-US" smtClean="0"/>
+              <a:rPr lang="en-US"/>
               <a:t>Fifth level</a:t>
             </a:r>
-            <a:endParaRPr lang="en-US"/>
           </a:p>
         </p:txBody>
       </p:sp>
@@ -8902,7 +8729,7 @@
           <a:p>
             <a:fld id="{ED1B6996-82E9-463C-972C-7B56056E426C}" type="datetime1">
               <a:rPr lang="en-US" smtClean="0"/>
-              <a:t>8/13/2015</a:t>
+              <a:t>7/26/2016</a:t>
             </a:fld>
             <a:endParaRPr lang="en-US"/>
           </a:p>
@@ -8996,10 +8823,9 @@
           <a:lstStyle/>
           <a:p>
             <a:r>
-              <a:rPr lang="en-US" smtClean="0"/>
+              <a:rPr lang="en-US"/>
               <a:t>Click to edit Master title style</a:t>
             </a:r>
-            <a:endParaRPr lang="en-US"/>
           </a:p>
         </p:txBody>
       </p:sp>
@@ -9053,38 +8879,37 @@
           <a:p>
             <a:pPr lvl="0"/>
             <a:r>
-              <a:rPr lang="en-US" smtClean="0"/>
+              <a:rPr lang="en-US"/>
               <a:t>Click to edit Master text styles</a:t>
             </a:r>
           </a:p>
           <a:p>
             <a:pPr lvl="1"/>
             <a:r>
-              <a:rPr lang="en-US" smtClean="0"/>
+              <a:rPr lang="en-US"/>
               <a:t>Second level</a:t>
             </a:r>
           </a:p>
           <a:p>
             <a:pPr lvl="2"/>
             <a:r>
-              <a:rPr lang="en-US" smtClean="0"/>
+              <a:rPr lang="en-US"/>
               <a:t>Third level</a:t>
             </a:r>
           </a:p>
           <a:p>
             <a:pPr lvl="3"/>
             <a:r>
-              <a:rPr lang="en-US" smtClean="0"/>
+              <a:rPr lang="en-US"/>
               <a:t>Fourth level</a:t>
             </a:r>
           </a:p>
           <a:p>
             <a:pPr lvl="4"/>
             <a:r>
-              <a:rPr lang="en-US" smtClean="0"/>
+              <a:rPr lang="en-US"/>
               <a:t>Fifth level</a:t>
             </a:r>
-            <a:endParaRPr lang="en-US"/>
           </a:p>
         </p:txBody>
       </p:sp>
@@ -9138,38 +8963,37 @@
           <a:p>
             <a:pPr lvl="0"/>
             <a:r>
-              <a:rPr lang="en-US" smtClean="0"/>
+              <a:rPr lang="en-US"/>
               <a:t>Click to edit Master text styles</a:t>
             </a:r>
           </a:p>
           <a:p>
             <a:pPr lvl="1"/>
             <a:r>
-              <a:rPr lang="en-US" smtClean="0"/>
+              <a:rPr lang="en-US"/>
               <a:t>Second level</a:t>
             </a:r>
           </a:p>
           <a:p>
             <a:pPr lvl="2"/>
             <a:r>
-              <a:rPr lang="en-US" smtClean="0"/>
+              <a:rPr lang="en-US"/>
               <a:t>Third level</a:t>
             </a:r>
           </a:p>
           <a:p>
             <a:pPr lvl="3"/>
             <a:r>
-              <a:rPr lang="en-US" smtClean="0"/>
+              <a:rPr lang="en-US"/>
               <a:t>Fourth level</a:t>
             </a:r>
           </a:p>
           <a:p>
             <a:pPr lvl="4"/>
             <a:r>
-              <a:rPr lang="en-US" smtClean="0"/>
+              <a:rPr lang="en-US"/>
               <a:t>Fifth level</a:t>
             </a:r>
-            <a:endParaRPr lang="en-US"/>
           </a:p>
         </p:txBody>
       </p:sp>
@@ -9198,7 +9022,7 @@
           <a:p>
             <a:fld id="{62847054-0C3A-4855-B827-AB022CCDB352}" type="datetime1">
               <a:rPr lang="en-US" smtClean="0"/>
-              <a:t>8/13/2015</a:t>
+              <a:t>7/26/2016</a:t>
             </a:fld>
             <a:endParaRPr lang="en-US"/>
           </a:p>
@@ -9260,13 +9084,6 @@
   <p:clrMapOvr>
     <a:masterClrMapping/>
   </p:clrMapOvr>
-  <p:timing>
-    <p:tnLst>
-      <p:par>
-        <p:cTn id="1" dur="indefinite" restart="never" nodeType="tmRoot"/>
-      </p:par>
-    </p:tnLst>
-  </p:timing>
 </p:sldLayout>
 </file>
 
@@ -9307,10 +9124,9 @@
           </a:lstStyle>
           <a:p>
             <a:r>
-              <a:rPr lang="en-US" smtClean="0"/>
+              <a:rPr lang="en-US"/>
               <a:t>Click to edit Master title style</a:t>
             </a:r>
-            <a:endParaRPr lang="en-US"/>
           </a:p>
         </p:txBody>
       </p:sp>
@@ -9373,7 +9189,7 @@
           <a:p>
             <a:pPr lvl="0"/>
             <a:r>
-              <a:rPr lang="en-US" smtClean="0"/>
+              <a:rPr lang="en-US"/>
               <a:t>Click to edit Master text styles</a:t>
             </a:r>
           </a:p>
@@ -9429,38 +9245,37 @@
           <a:p>
             <a:pPr lvl="0"/>
             <a:r>
-              <a:rPr lang="en-US" smtClean="0"/>
+              <a:rPr lang="en-US"/>
               <a:t>Click to edit Master text styles</a:t>
             </a:r>
           </a:p>
           <a:p>
             <a:pPr lvl="1"/>
             <a:r>
-              <a:rPr lang="en-US" smtClean="0"/>
+              <a:rPr lang="en-US"/>
               <a:t>Second level</a:t>
             </a:r>
           </a:p>
           <a:p>
             <a:pPr lvl="2"/>
             <a:r>
-              <a:rPr lang="en-US" smtClean="0"/>
+              <a:rPr lang="en-US"/>
               <a:t>Third level</a:t>
             </a:r>
           </a:p>
           <a:p>
             <a:pPr lvl="3"/>
             <a:r>
-              <a:rPr lang="en-US" smtClean="0"/>
+              <a:rPr lang="en-US"/>
               <a:t>Fourth level</a:t>
             </a:r>
           </a:p>
           <a:p>
             <a:pPr lvl="4"/>
             <a:r>
-              <a:rPr lang="en-US" smtClean="0"/>
+              <a:rPr lang="en-US"/>
               <a:t>Fifth level</a:t>
             </a:r>
-            <a:endParaRPr lang="en-US"/>
           </a:p>
         </p:txBody>
       </p:sp>
@@ -9523,7 +9338,7 @@
           <a:p>
             <a:pPr lvl="0"/>
             <a:r>
-              <a:rPr lang="en-US" smtClean="0"/>
+              <a:rPr lang="en-US"/>
               <a:t>Click to edit Master text styles</a:t>
             </a:r>
           </a:p>
@@ -9579,38 +9394,37 @@
           <a:p>
             <a:pPr lvl="0"/>
             <a:r>
-              <a:rPr lang="en-US" smtClean="0"/>
+              <a:rPr lang="en-US"/>
               <a:t>Click to edit Master text styles</a:t>
             </a:r>
           </a:p>
           <a:p>
             <a:pPr lvl="1"/>
             <a:r>
-              <a:rPr lang="en-US" smtClean="0"/>
+              <a:rPr lang="en-US"/>
               <a:t>Second level</a:t>
             </a:r>
           </a:p>
           <a:p>
             <a:pPr lvl="2"/>
             <a:r>
-              <a:rPr lang="en-US" smtClean="0"/>
+              <a:rPr lang="en-US"/>
               <a:t>Third level</a:t>
             </a:r>
           </a:p>
           <a:p>
             <a:pPr lvl="3"/>
             <a:r>
-              <a:rPr lang="en-US" smtClean="0"/>
+              <a:rPr lang="en-US"/>
               <a:t>Fourth level</a:t>
             </a:r>
           </a:p>
           <a:p>
             <a:pPr lvl="4"/>
             <a:r>
-              <a:rPr lang="en-US" smtClean="0"/>
+              <a:rPr lang="en-US"/>
               <a:t>Fifth level</a:t>
             </a:r>
-            <a:endParaRPr lang="en-US"/>
           </a:p>
         </p:txBody>
       </p:sp>
@@ -9639,7 +9453,7 @@
           <a:p>
             <a:fld id="{787C7470-D2BA-4210-A881-18C149229110}" type="datetime1">
               <a:rPr lang="en-US" smtClean="0"/>
-              <a:t>8/13/2015</a:t>
+              <a:t>7/26/2016</a:t>
             </a:fld>
             <a:endParaRPr lang="en-US"/>
           </a:p>
@@ -9737,10 +9551,9 @@
           <a:lstStyle/>
           <a:p>
             <a:r>
-              <a:rPr lang="en-US" smtClean="0"/>
+              <a:rPr lang="en-US"/>
               <a:t>Click to edit Master title style</a:t>
             </a:r>
-            <a:endParaRPr lang="en-US"/>
           </a:p>
         </p:txBody>
       </p:sp>
@@ -9769,7 +9582,7 @@
           <a:p>
             <a:fld id="{8DEC73FD-A5ED-479F-9068-BAD5EB3F7E69}" type="datetime1">
               <a:rPr lang="en-US" smtClean="0"/>
-              <a:t>8/13/2015</a:t>
+              <a:t>7/26/2016</a:t>
             </a:fld>
             <a:endParaRPr lang="en-US"/>
           </a:p>
@@ -9876,7 +9689,7 @@
           <a:p>
             <a:fld id="{EA1BC252-941B-4451-B02D-F879104EB58F}" type="datetime1">
               <a:rPr lang="en-US" smtClean="0"/>
-              <a:t>8/13/2015</a:t>
+              <a:t>7/26/2016</a:t>
             </a:fld>
             <a:endParaRPr lang="en-US"/>
           </a:p>
@@ -9983,10 +9796,9 @@
           </a:lstStyle>
           <a:p>
             <a:r>
-              <a:rPr lang="en-US" smtClean="0"/>
+              <a:rPr lang="en-US"/>
               <a:t>Click to edit Master title style</a:t>
             </a:r>
-            <a:endParaRPr lang="en-US"/>
           </a:p>
         </p:txBody>
       </p:sp>
@@ -10040,38 +9852,37 @@
           <a:p>
             <a:pPr lvl="0"/>
             <a:r>
-              <a:rPr lang="en-US" smtClean="0"/>
+              <a:rPr lang="en-US"/>
               <a:t>Click to edit Master text styles</a:t>
             </a:r>
           </a:p>
           <a:p>
             <a:pPr lvl="1"/>
             <a:r>
-              <a:rPr lang="en-US" smtClean="0"/>
+              <a:rPr lang="en-US"/>
               <a:t>Second level</a:t>
             </a:r>
           </a:p>
           <a:p>
             <a:pPr lvl="2"/>
             <a:r>
-              <a:rPr lang="en-US" smtClean="0"/>
+              <a:rPr lang="en-US"/>
               <a:t>Third level</a:t>
             </a:r>
           </a:p>
           <a:p>
             <a:pPr lvl="3"/>
             <a:r>
-              <a:rPr lang="en-US" smtClean="0"/>
+              <a:rPr lang="en-US"/>
               <a:t>Fourth level</a:t>
             </a:r>
           </a:p>
           <a:p>
             <a:pPr lvl="4"/>
             <a:r>
-              <a:rPr lang="en-US" smtClean="0"/>
+              <a:rPr lang="en-US"/>
               <a:t>Fifth level</a:t>
             </a:r>
-            <a:endParaRPr lang="en-US"/>
           </a:p>
         </p:txBody>
       </p:sp>
@@ -10134,7 +9945,7 @@
           <a:p>
             <a:pPr lvl="0"/>
             <a:r>
-              <a:rPr lang="en-US" smtClean="0"/>
+              <a:rPr lang="en-US"/>
               <a:t>Click to edit Master text styles</a:t>
             </a:r>
           </a:p>
@@ -10165,7 +9976,7 @@
           <a:p>
             <a:fld id="{43A8641F-9EDF-4983-849A-96C94386CBBC}" type="datetime1">
               <a:rPr lang="en-US" smtClean="0"/>
-              <a:t>8/13/2015</a:t>
+              <a:t>7/26/2016</a:t>
             </a:fld>
             <a:endParaRPr lang="en-US"/>
           </a:p>
@@ -10278,10 +10089,9 @@
           <a:lstStyle/>
           <a:p>
             <a:r>
-              <a:rPr lang="en-US" smtClean="0"/>
+              <a:rPr lang="en-US"/>
               <a:t>Click to edit Master title style</a:t>
             </a:r>
-            <a:endParaRPr lang="en-US"/>
           </a:p>
         </p:txBody>
       </p:sp>
@@ -10312,38 +10122,37 @@
           <a:p>
             <a:pPr lvl="0"/>
             <a:r>
-              <a:rPr lang="en-US" smtClean="0"/>
+              <a:rPr lang="en-US"/>
               <a:t>Click to edit Master text styles</a:t>
             </a:r>
           </a:p>
           <a:p>
             <a:pPr lvl="1"/>
             <a:r>
-              <a:rPr lang="en-US" smtClean="0"/>
+              <a:rPr lang="en-US"/>
               <a:t>Second level</a:t>
             </a:r>
           </a:p>
           <a:p>
             <a:pPr lvl="2"/>
             <a:r>
-              <a:rPr lang="en-US" smtClean="0"/>
+              <a:rPr lang="en-US"/>
               <a:t>Third level</a:t>
             </a:r>
           </a:p>
           <a:p>
             <a:pPr lvl="3"/>
             <a:r>
-              <a:rPr lang="en-US" smtClean="0"/>
+              <a:rPr lang="en-US"/>
               <a:t>Fourth level</a:t>
             </a:r>
           </a:p>
           <a:p>
             <a:pPr lvl="4"/>
             <a:r>
-              <a:rPr lang="en-US" smtClean="0"/>
+              <a:rPr lang="en-US"/>
               <a:t>Fifth level</a:t>
             </a:r>
-            <a:endParaRPr lang="en-US"/>
           </a:p>
         </p:txBody>
       </p:sp>
@@ -10406,13 +10215,6 @@
     <p:sldLayoutId id="2147483658" r:id="rId11"/>
     <p:sldLayoutId id="2147483659" r:id="rId12"/>
   </p:sldLayoutIdLst>
-  <p:timing>
-    <p:tnLst>
-      <p:par>
-        <p:cTn id="1" dur="indefinite" restart="never" nodeType="tmRoot"/>
-      </p:par>
-    </p:tnLst>
-  </p:timing>
   <p:hf hdr="0" ftr="0" dt="0"/>
   <p:txStyles>
     <p:titleStyle>
@@ -10715,10 +10517,9 @@
           <a:lstStyle/>
           <a:p>
             <a:r>
-              <a:rPr lang="en-US" smtClean="0"/>
+              <a:rPr lang="en-US"/>
               <a:t>Click to edit Master title style</a:t>
             </a:r>
-            <a:endParaRPr lang="en-US"/>
           </a:p>
         </p:txBody>
       </p:sp>
@@ -10749,38 +10550,37 @@
           <a:p>
             <a:pPr lvl="0"/>
             <a:r>
-              <a:rPr lang="en-US" smtClean="0"/>
+              <a:rPr lang="en-US"/>
               <a:t>Click to edit Master text styles</a:t>
             </a:r>
           </a:p>
           <a:p>
             <a:pPr lvl="1"/>
             <a:r>
-              <a:rPr lang="en-US" smtClean="0"/>
+              <a:rPr lang="en-US"/>
               <a:t>Second level</a:t>
             </a:r>
           </a:p>
           <a:p>
             <a:pPr lvl="2"/>
             <a:r>
-              <a:rPr lang="en-US" smtClean="0"/>
+              <a:rPr lang="en-US"/>
               <a:t>Third level</a:t>
             </a:r>
           </a:p>
           <a:p>
             <a:pPr lvl="3"/>
             <a:r>
-              <a:rPr lang="en-US" smtClean="0"/>
+              <a:rPr lang="en-US"/>
               <a:t>Fourth level</a:t>
             </a:r>
           </a:p>
           <a:p>
             <a:pPr lvl="4"/>
             <a:r>
-              <a:rPr lang="en-US" smtClean="0"/>
+              <a:rPr lang="en-US"/>
               <a:t>Fifth level</a:t>
             </a:r>
-            <a:endParaRPr lang="en-US"/>
           </a:p>
         </p:txBody>
       </p:sp>
@@ -10826,7 +10626,7 @@
                 </a:solidFill>
               </a:rPr>
               <a:pPr/>
-              <a:t>8/13/2015</a:t>
+              <a:t>7/26/2016</a:t>
             </a:fld>
             <a:endParaRPr lang="en-US">
               <a:solidFill>
@@ -10959,13 +10759,6 @@
     <p:sldLayoutId id="2147483690" r:id="rId13"/>
     <p:sldLayoutId id="2147483691" r:id="rId14"/>
   </p:sldLayoutIdLst>
-  <p:timing>
-    <p:tnLst>
-      <p:par>
-        <p:cTn id="1" dur="indefinite" restart="never" nodeType="tmRoot"/>
-      </p:par>
-    </p:tnLst>
-  </p:timing>
   <p:hf hdr="0" ftr="0" dt="0"/>
   <p:txStyles>
     <p:titleStyle>
@@ -11268,10 +11061,9 @@
           <a:lstStyle/>
           <a:p>
             <a:r>
-              <a:rPr lang="en-US" smtClean="0"/>
+              <a:rPr lang="en-US"/>
               <a:t>Click to edit Master title style</a:t>
             </a:r>
-            <a:endParaRPr lang="en-US"/>
           </a:p>
         </p:txBody>
       </p:sp>
@@ -11302,38 +11094,37 @@
           <a:p>
             <a:pPr lvl="0"/>
             <a:r>
-              <a:rPr lang="en-US" smtClean="0"/>
+              <a:rPr lang="en-US"/>
               <a:t>Click to edit Master text styles</a:t>
             </a:r>
           </a:p>
           <a:p>
             <a:pPr lvl="1"/>
             <a:r>
-              <a:rPr lang="en-US" smtClean="0"/>
+              <a:rPr lang="en-US"/>
               <a:t>Second level</a:t>
             </a:r>
           </a:p>
           <a:p>
             <a:pPr lvl="2"/>
             <a:r>
-              <a:rPr lang="en-US" smtClean="0"/>
+              <a:rPr lang="en-US"/>
               <a:t>Third level</a:t>
             </a:r>
           </a:p>
           <a:p>
             <a:pPr lvl="3"/>
             <a:r>
-              <a:rPr lang="en-US" smtClean="0"/>
+              <a:rPr lang="en-US"/>
               <a:t>Fourth level</a:t>
             </a:r>
           </a:p>
           <a:p>
             <a:pPr lvl="4"/>
             <a:r>
-              <a:rPr lang="en-US" smtClean="0"/>
+              <a:rPr lang="en-US"/>
               <a:t>Fifth level</a:t>
             </a:r>
-            <a:endParaRPr lang="en-US"/>
           </a:p>
         </p:txBody>
       </p:sp>
@@ -11372,7 +11163,7 @@
           <a:p>
             <a:fld id="{02B3F677-983B-48DB-ADFD-63FE6CBC7FB2}" type="datetime1">
               <a:rPr lang="en-US" smtClean="0"/>
-              <a:t>8/13/2015</a:t>
+              <a:t>7/26/2016</a:t>
             </a:fld>
             <a:endParaRPr lang="en-US"/>
           </a:p>
@@ -11480,13 +11271,6 @@
     <p:sldLayoutId id="2147483675" r:id="rId13"/>
     <p:sldLayoutId id="2147483676" r:id="rId14"/>
   </p:sldLayoutIdLst>
-  <p:timing>
-    <p:tnLst>
-      <p:par>
-        <p:cTn id="1" dur="indefinite" restart="never" nodeType="tmRoot"/>
-      </p:par>
-    </p:tnLst>
-  </p:timing>
   <p:hf hdr="0" ftr="0" dt="0"/>
   <p:txStyles>
     <p:titleStyle>
@@ -11768,16 +11552,33 @@
             <p:ph type="ctrTitle"/>
           </p:nvPr>
         </p:nvSpPr>
-        <p:spPr/>
-        <p:txBody>
-          <a:bodyPr/>
-          <a:lstStyle/>
-          <a:p>
-            <a:r>
-              <a:rPr lang="en-US" dirty="0" smtClean="0"/>
+        <p:spPr>
+          <a:noFill/>
+          <a:ln w="28575">
+            <a:solidFill>
+              <a:schemeClr val="accent1"/>
+            </a:solidFill>
+          </a:ln>
+        </p:spPr>
+        <p:txBody>
+          <a:bodyPr vert="horz" lIns="91440" tIns="45720" rIns="91440" bIns="45720" rtlCol="0" anchor="ctr" anchorCtr="0">
+            <a:normAutofit/>
+          </a:bodyPr>
+          <a:lstStyle/>
+          <a:p>
+            <a:pPr>
+              <a:buClr>
+                <a:schemeClr val="dk1"/>
+              </a:buClr>
+              <a:buFont typeface="Calibri"/>
+            </a:pPr>
+            <a:r>
+              <a:rPr lang="en-US" dirty="0">
+                <a:sym typeface="Calibri"/>
+                <a:rtl val="0"/>
+              </a:rPr>
               <a:t>Examining Two Pieces of Data</a:t>
             </a:r>
-            <a:endParaRPr lang="en-US" dirty="0"/>
           </a:p>
         </p:txBody>
       </p:sp>
@@ -11812,13 +11613,8 @@
           <a:p>
             <a:r>
               <a:rPr lang="en-US" dirty="0"/>
-              <a:t>Lesson </a:t>
-            </a:r>
-            <a:r>
-              <a:rPr lang="en-US" dirty="0" smtClean="0"/>
-              <a:t>2.2</a:t>
-            </a:r>
-            <a:endParaRPr lang="en-US" dirty="0"/>
+              <a:t>Lesson 2.3</a:t>
+            </a:r>
           </a:p>
           <a:p>
             <a:endParaRPr lang="en-US" dirty="0"/>
@@ -11917,27 +11713,13 @@
             <a:p>
               <a:r>
                 <a:rPr lang="en-US" sz="1000" dirty="0"/>
-                <a:t>© Mitchell Wand, </a:t>
-              </a:r>
-              <a:r>
-                <a:rPr lang="en-US" sz="1000" dirty="0" smtClean="0"/>
-                <a:t>2012-2014</a:t>
+                <a:t>© Mitchell Wand, 2012-2014</a:t>
               </a:r>
             </a:p>
             <a:p>
               <a:r>
-                <a:rPr lang="en-US" sz="1000" dirty="0" smtClean="0"/>
+                <a:rPr lang="en-US" sz="1000" dirty="0"/>
                 <a:t>This work is licensed under a </a:t>
-              </a:r>
-              <a:r>
-                <a:rPr lang="en-US" altLang="en-US" sz="1000" dirty="0" smtClean="0">
-                  <a:solidFill>
-                    <a:srgbClr val="4374B7"/>
-                  </a:solidFill>
-                  <a:latin typeface="Helvetica Neue"/>
-                  <a:hlinkClick r:id="rId4"/>
-                </a:rPr>
-                <a:t>Creative </a:t>
               </a:r>
               <a:r>
                 <a:rPr lang="en-US" altLang="en-US" sz="1000" dirty="0">
@@ -11947,7 +11729,7 @@
                   <a:latin typeface="Helvetica Neue"/>
                   <a:hlinkClick r:id="rId4"/>
                 </a:rPr>
-                <a:t>Commons Attribution-</a:t>
+                <a:t>Creative Commons Attribution-</a:t>
               </a:r>
               <a:r>
                 <a:rPr lang="en-US" altLang="en-US" sz="1000" dirty="0" err="1">
@@ -11970,10 +11752,9 @@
                 <a:t> 4.0 International License</a:t>
               </a:r>
               <a:r>
-                <a:rPr lang="en-US" sz="1000" dirty="0" smtClean="0"/>
+                <a:rPr lang="en-US" sz="1000" dirty="0"/>
                 <a:t>.</a:t>
               </a:r>
-              <a:endParaRPr lang="en-US" sz="1000" dirty="0"/>
             </a:p>
           </p:txBody>
         </p:sp>
@@ -11988,13 +11769,6 @@
   <p:clrMapOvr>
     <a:masterClrMapping/>
   </p:clrMapOvr>
-  <p:timing>
-    <p:tnLst>
-      <p:par>
-        <p:cTn id="1" dur="indefinite" restart="never" nodeType="tmRoot"/>
-      </p:par>
-    </p:tnLst>
-  </p:timing>
 </p:sld>
 </file>
 
@@ -12031,16 +11805,12 @@
           <a:lstStyle/>
           <a:p>
             <a:r>
-              <a:rPr lang="en-US" b="1" dirty="0" smtClean="0">
+              <a:rPr lang="en-US" b="1" dirty="0">
                 <a:latin typeface="Consolas" pitchFamily="49" charset="0"/>
                 <a:cs typeface="Consolas" pitchFamily="49" charset="0"/>
               </a:rPr>
               <a:t>ball-moved-to</a:t>
             </a:r>
-            <a:endParaRPr lang="en-US" b="1" dirty="0">
-              <a:latin typeface="Consolas" pitchFamily="49" charset="0"/>
-              <a:cs typeface="Consolas" pitchFamily="49" charset="0"/>
-            </a:endParaRPr>
           </a:p>
         </p:txBody>
       </p:sp>
@@ -12063,23 +11833,15 @@
           <a:p>
             <a:r>
               <a:rPr lang="en-US" sz="2400" dirty="0"/>
-              <a:t>;; ball-moved-to : Ball </a:t>
-            </a:r>
-            <a:r>
-              <a:rPr lang="en-US" sz="2400" dirty="0" smtClean="0"/>
-              <a:t>Integer </a:t>
-            </a:r>
-            <a:r>
-              <a:rPr lang="en-US" sz="2400" dirty="0" err="1" smtClean="0"/>
+              <a:t>;; ball-moved-to : Ball Integer </a:t>
+            </a:r>
+            <a:r>
+              <a:rPr lang="en-US" sz="2400" dirty="0" err="1"/>
               <a:t>Integer</a:t>
             </a:r>
             <a:r>
-              <a:rPr lang="en-US" sz="2400" dirty="0" smtClean="0"/>
-              <a:t> </a:t>
-            </a:r>
-            <a:r>
               <a:rPr lang="en-US" sz="2400" dirty="0"/>
-              <a:t>-&gt; Ball</a:t>
+              <a:t> -&gt; Ball</a:t>
             </a:r>
           </a:p>
           <a:p>
@@ -12091,72 +11853,41 @@
           <a:p>
             <a:r>
               <a:rPr lang="en-US" sz="2400" dirty="0"/>
-              <a:t>;; RETURNS: a ball like the given one, </a:t>
-            </a:r>
-            <a:r>
-              <a:rPr lang="en-US" sz="2400" dirty="0" smtClean="0"/>
-              <a:t>except</a:t>
-            </a:r>
-          </a:p>
-          <a:p>
-            <a:r>
-              <a:rPr lang="en-US" sz="2400" dirty="0" smtClean="0"/>
-              <a:t>;; </a:t>
-            </a:r>
+              <a:t>;; RETURNS: a ball like the given one, except</a:t>
+            </a:r>
+          </a:p>
+          <a:p>
             <a:r>
               <a:rPr lang="en-US" sz="2400" dirty="0"/>
-              <a:t>that it has been moved </a:t>
-            </a:r>
-            <a:r>
-              <a:rPr lang="en-US" sz="2400" dirty="0" smtClean="0"/>
-              <a:t>to the </a:t>
-            </a:r>
+              <a:t>;; that it has been moved to the given </a:t>
+            </a:r>
+          </a:p>
+          <a:p>
             <a:r>
               <a:rPr lang="en-US" sz="2400" dirty="0"/>
-              <a:t>given </a:t>
-            </a:r>
-            <a:endParaRPr lang="en-US" sz="2400" dirty="0" smtClean="0"/>
-          </a:p>
-          <a:p>
-            <a:r>
-              <a:rPr lang="en-US" sz="2400" dirty="0" smtClean="0"/>
               <a:t>;; coordinates.</a:t>
             </a:r>
+          </a:p>
+          <a:p>
+            <a:r>
+              <a:rPr lang="en-US" sz="2400" dirty="0"/>
+              <a:t>;; STRATEGY: use template for Ball on b</a:t>
+            </a:r>
+          </a:p>
+          <a:p>
             <a:endParaRPr lang="en-US" sz="2400" dirty="0"/>
           </a:p>
           <a:p>
             <a:r>
               <a:rPr lang="en-US" sz="2400" dirty="0"/>
-              <a:t>;; STRATEGY: </a:t>
-            </a:r>
-            <a:r>
-              <a:rPr lang="en-US" sz="2400" dirty="0" smtClean="0"/>
-              <a:t>use template for Ball on b</a:t>
-            </a:r>
-          </a:p>
-          <a:p>
-            <a:endParaRPr lang="en-US" sz="2400" dirty="0" smtClean="0"/>
-          </a:p>
-          <a:p>
-            <a:r>
-              <a:rPr lang="en-US" sz="2400" dirty="0" smtClean="0"/>
-              <a:t>(</a:t>
-            </a:r>
+              <a:t>(define (ball-moved-to b x y)</a:t>
+            </a:r>
+          </a:p>
+          <a:p>
             <a:r>
               <a:rPr lang="en-US" sz="2400" dirty="0"/>
-              <a:t>define (ball-moved-to b x y)</a:t>
-            </a:r>
-          </a:p>
-          <a:p>
-            <a:r>
-              <a:rPr lang="en-US" sz="2400" dirty="0"/>
-              <a:t>  (</a:t>
-            </a:r>
-            <a:r>
-              <a:rPr lang="en-US" sz="2400" dirty="0" smtClean="0"/>
-              <a:t>make-ball x y</a:t>
-            </a:r>
-            <a:endParaRPr lang="en-US" sz="2400" dirty="0"/>
+              <a:t>  (make-ball x y</a:t>
+            </a:r>
           </a:p>
           <a:p>
             <a:r>
@@ -12214,15 +11945,15 @@
           <a:lstStyle/>
           <a:p>
             <a:r>
-              <a:rPr lang="en-US" dirty="0" smtClean="0"/>
+              <a:rPr lang="en-US" dirty="0"/>
               <a:t>So now we need to write </a:t>
             </a:r>
             <a:r>
-              <a:rPr lang="en-US" b="1" dirty="0" smtClean="0"/>
+              <a:rPr lang="en-US" b="1" dirty="0"/>
               <a:t>ball-moved-to</a:t>
             </a:r>
             <a:r>
-              <a:rPr lang="en-US" dirty="0" smtClean="0"/>
+              <a:rPr lang="en-US" dirty="0"/>
               <a:t>. It’s also going to look at the data inside the ball, using the Ball template.</a:t>
             </a:r>
           </a:p>
@@ -12238,13 +11969,6 @@
   <p:clrMapOvr>
     <a:masterClrMapping/>
   </p:clrMapOvr>
-  <p:timing>
-    <p:tnLst>
-      <p:par>
-        <p:cTn id="1" dur="indefinite" restart="never" nodeType="tmRoot"/>
-      </p:par>
-    </p:tnLst>
-  </p:timing>
 </p:sld>
 </file>
 
@@ -12295,10 +12019,9 @@
           <a:lstStyle/>
           <a:p>
             <a:r>
-              <a:rPr lang="en-US" dirty="0" smtClean="0"/>
+              <a:rPr lang="en-US" dirty="0"/>
               <a:t>A bigger portion of the call tree</a:t>
             </a:r>
-            <a:endParaRPr lang="en-US" dirty="0"/>
           </a:p>
         </p:txBody>
       </p:sp>
@@ -12372,15 +12095,7 @@
                   <a:schemeClr val="tx1"/>
                 </a:solidFill>
               </a:rPr>
-              <a:t>b</a:t>
-            </a:r>
-            <a:r>
-              <a:rPr lang="en-US" dirty="0" smtClean="0">
-                <a:solidFill>
-                  <a:schemeClr val="tx1"/>
-                </a:solidFill>
-              </a:rPr>
-              <a:t>all-after-mouse</a:t>
+              <a:t>ball-after-mouse</a:t>
             </a:r>
           </a:p>
         </p:txBody>
@@ -12426,7 +12141,7 @@
           <a:p>
             <a:pPr algn="ctr"/>
             <a:r>
-              <a:rPr lang="en-US" dirty="0" smtClean="0">
+              <a:rPr lang="en-US" dirty="0">
                 <a:solidFill>
                   <a:schemeClr val="tx1"/>
                 </a:solidFill>
@@ -12477,7 +12192,7 @@
           <a:p>
             <a:pPr algn="ctr"/>
             <a:r>
-              <a:rPr lang="en-US" dirty="0" smtClean="0">
+              <a:rPr lang="en-US" dirty="0">
                 <a:solidFill>
                   <a:schemeClr val="tx1"/>
                 </a:solidFill>
@@ -12528,7 +12243,7 @@
           <a:p>
             <a:pPr algn="ctr"/>
             <a:r>
-              <a:rPr lang="en-US" dirty="0" smtClean="0">
+              <a:rPr lang="en-US" dirty="0">
                 <a:solidFill>
                   <a:schemeClr val="tx1"/>
                 </a:solidFill>
@@ -12690,7 +12405,7 @@
           <a:p>
             <a:pPr algn="ctr"/>
             <a:r>
-              <a:rPr lang="en-US" dirty="0" smtClean="0">
+              <a:rPr lang="en-US" dirty="0">
                 <a:solidFill>
                   <a:schemeClr val="tx1"/>
                 </a:solidFill>
@@ -12781,7 +12496,7 @@
           <a:lstStyle/>
           <a:p>
             <a:r>
-              <a:rPr lang="en-US" dirty="0" smtClean="0"/>
+              <a:rPr lang="en-US" dirty="0"/>
               <a:t>Will need to fill in more functions here</a:t>
             </a:r>
           </a:p>
@@ -12990,20 +12705,17 @@
           <a:lstStyle/>
           <a:p>
             <a:r>
-              <a:rPr lang="en-US" dirty="0" smtClean="0">
+              <a:rPr lang="en-US" dirty="0">
                 <a:cs typeface="Consolas" pitchFamily="49" charset="0"/>
               </a:rPr>
               <a:t>An inferior version of </a:t>
             </a:r>
             <a:r>
-              <a:rPr lang="en-US" b="1" dirty="0" smtClean="0">
+              <a:rPr lang="en-US" b="1" dirty="0">
                 <a:cs typeface="Consolas" pitchFamily="49" charset="0"/>
               </a:rPr>
               <a:t>ball-after-drag</a:t>
             </a:r>
-            <a:endParaRPr lang="en-US" b="1" dirty="0">
-              <a:cs typeface="Consolas" pitchFamily="49" charset="0"/>
-            </a:endParaRPr>
           </a:p>
         </p:txBody>
       </p:sp>
@@ -13028,32 +12740,19 @@
               <a:rPr lang="en-US" sz="2400" dirty="0"/>
               <a:t>;; ball-after-drag </a:t>
             </a:r>
-            <a:endParaRPr lang="en-US" sz="2400" dirty="0" smtClean="0"/>
-          </a:p>
-          <a:p>
-            <a:r>
-              <a:rPr lang="en-US" sz="2400" dirty="0" smtClean="0"/>
-              <a:t>;;   : </a:t>
-            </a:r>
+          </a:p>
+          <a:p>
             <a:r>
               <a:rPr lang="en-US" sz="2400" dirty="0"/>
-              <a:t>Ball </a:t>
-            </a:r>
-            <a:r>
-              <a:rPr lang="en-US" sz="2400" dirty="0" smtClean="0"/>
-              <a:t>Integer </a:t>
-            </a:r>
-            <a:r>
-              <a:rPr lang="en-US" sz="2400" dirty="0" err="1" smtClean="0"/>
+              <a:t>;;   : Ball Integer </a:t>
+            </a:r>
+            <a:r>
+              <a:rPr lang="en-US" sz="2400" dirty="0" err="1"/>
               <a:t>Integer</a:t>
             </a:r>
             <a:r>
-              <a:rPr lang="en-US" sz="2400" dirty="0" smtClean="0"/>
-              <a:t> </a:t>
-            </a:r>
-            <a:r>
               <a:rPr lang="en-US" sz="2400" dirty="0"/>
-              <a:t>-&gt; Ball</a:t>
+              <a:t> -&gt; Ball</a:t>
             </a:r>
           </a:p>
           <a:p>
@@ -13065,44 +12764,28 @@
           <a:p>
             <a:r>
               <a:rPr lang="en-US" sz="2400" dirty="0"/>
-              <a:t>;; RETURNS: the ball after a drag event at </a:t>
-            </a:r>
-            <a:r>
-              <a:rPr lang="en-US" sz="2400" dirty="0" smtClean="0"/>
-              <a:t>the</a:t>
-            </a:r>
-          </a:p>
-          <a:p>
-            <a:r>
-              <a:rPr lang="en-US" sz="2400" dirty="0" smtClean="0"/>
-              <a:t>;; </a:t>
-            </a:r>
+              <a:t>;; RETURNS: the ball after a drag event at the</a:t>
+            </a:r>
+          </a:p>
+          <a:p>
             <a:r>
               <a:rPr lang="en-US" sz="2400" dirty="0"/>
-              <a:t>given location.</a:t>
+              <a:t>;; given location.</a:t>
             </a:r>
           </a:p>
           <a:p>
             <a:r>
               <a:rPr lang="en-US" sz="2400" dirty="0"/>
-              <a:t>;; STRATEGY: </a:t>
-            </a:r>
-            <a:r>
-              <a:rPr lang="en-US" sz="2400" dirty="0" smtClean="0"/>
-              <a:t>Use template for Ball on b </a:t>
-            </a:r>
-          </a:p>
-          <a:p>
-            <a:endParaRPr lang="en-US" sz="2400" dirty="0" smtClean="0"/>
-          </a:p>
-          <a:p>
-            <a:r>
-              <a:rPr lang="en-US" sz="2400" dirty="0" smtClean="0"/>
-              <a:t>(</a:t>
-            </a:r>
+              <a:t>;; STRATEGY: Use template for Ball on b </a:t>
+            </a:r>
+          </a:p>
+          <a:p>
+            <a:endParaRPr lang="en-US" sz="2400" dirty="0"/>
+          </a:p>
+          <a:p>
             <a:r>
               <a:rPr lang="en-US" sz="2400" dirty="0"/>
-              <a:t>define (ball-after-drag b x y)</a:t>
+              <a:t>(define (ball-after-drag b x y)</a:t>
             </a:r>
           </a:p>
           <a:p>
@@ -13120,39 +12803,19 @@
           <a:p>
             <a:r>
               <a:rPr lang="en-US" sz="2400" dirty="0"/>
-              <a:t>    </a:t>
-            </a:r>
-            <a:r>
-              <a:rPr lang="en-US" sz="2400" dirty="0" smtClean="0"/>
-              <a:t>  (</a:t>
-            </a:r>
+              <a:t>      (ball-radius b)</a:t>
+            </a:r>
+          </a:p>
+          <a:p>
             <a:r>
               <a:rPr lang="en-US" sz="2400" dirty="0"/>
-              <a:t>ball-radius b)</a:t>
+              <a:t>      (ball-selected? b)))</a:t>
             </a:r>
           </a:p>
           <a:p>
             <a:r>
               <a:rPr lang="en-US" sz="2400" dirty="0"/>
-              <a:t>    </a:t>
-            </a:r>
-            <a:r>
-              <a:rPr lang="en-US" sz="2400" dirty="0" smtClean="0"/>
-              <a:t>  (</a:t>
-            </a:r>
-            <a:r>
-              <a:rPr lang="en-US" sz="2400" dirty="0"/>
-              <a:t>ball-selected? b)))</a:t>
-            </a:r>
-          </a:p>
-          <a:p>
-            <a:r>
-              <a:rPr lang="en-US" sz="2400" dirty="0" smtClean="0"/>
-              <a:t>    </a:t>
-            </a:r>
-            <a:r>
-              <a:rPr lang="en-US" sz="2400" dirty="0"/>
-              <a:t>b))</a:t>
+              <a:t>    b))</a:t>
             </a:r>
           </a:p>
         </p:txBody>
@@ -13199,7 +12862,7 @@
           <a:lstStyle/>
           <a:p>
             <a:r>
-              <a:rPr lang="en-US" dirty="0" smtClean="0"/>
+              <a:rPr lang="en-US" dirty="0"/>
               <a:t>This version is not as good as the preceding one, because it does two tasks:  it decides WHEN to move the ball, and it also figures out HOW to move the ball.</a:t>
             </a:r>
           </a:p>
@@ -13215,13 +12878,6 @@
   <p:clrMapOvr>
     <a:masterClrMapping/>
   </p:clrMapOvr>
-  <p:timing>
-    <p:tnLst>
-      <p:par>
-        <p:cTn id="1" dur="indefinite" restart="never" nodeType="tmRoot"/>
-      </p:par>
-    </p:tnLst>
-  </p:timing>
 </p:sld>
 </file>
 
@@ -13258,10 +12914,9 @@
           <a:lstStyle/>
           <a:p>
             <a:r>
-              <a:rPr lang="en-US" dirty="0" smtClean="0"/>
+              <a:rPr lang="en-US" dirty="0"/>
               <a:t>Exception</a:t>
             </a:r>
-            <a:endParaRPr lang="en-US" dirty="0"/>
           </a:p>
         </p:txBody>
       </p:sp>
@@ -13281,18 +12936,9 @@
           <a:lstStyle/>
           <a:p>
             <a:r>
-              <a:rPr lang="en-US" dirty="0" smtClean="0"/>
-              <a:t>You can </a:t>
-            </a:r>
-            <a:r>
-              <a:rPr lang="en-US" dirty="0" smtClean="0"/>
-              <a:t>use the template for more </a:t>
-            </a:r>
-            <a:r>
-              <a:rPr lang="en-US" dirty="0" smtClean="0"/>
-              <a:t>than one compound if you really need to.</a:t>
-            </a:r>
-            <a:endParaRPr lang="en-US" dirty="0"/>
+              <a:rPr lang="en-US" dirty="0"/>
+              <a:t>You can use the template for more than one compound if you really need to.</a:t>
+            </a:r>
           </a:p>
         </p:txBody>
       </p:sp>
@@ -13366,11 +13012,11 @@
           <a:lstStyle/>
           <a:p>
             <a:r>
-              <a:rPr lang="en-US" dirty="0" smtClean="0"/>
+              <a:rPr lang="en-US" dirty="0"/>
               <a:t>Example: balls-</a:t>
             </a:r>
             <a:r>
-              <a:rPr lang="en-US" dirty="0" err="1" smtClean="0"/>
+              <a:rPr lang="en-US" dirty="0" err="1"/>
               <a:t>collide.rkt</a:t>
             </a:r>
             <a:endParaRPr lang="en-US" dirty="0"/>
@@ -13447,11 +13093,7 @@
             </a:pPr>
             <a:r>
               <a:rPr lang="en-US" sz="2400" dirty="0"/>
-              <a:t>;; STRATEGY: </a:t>
-            </a:r>
-            <a:r>
-              <a:rPr lang="en-US" sz="2400" dirty="0" smtClean="0"/>
-              <a:t>Use template for Ball on b1 and b2.</a:t>
+              <a:t>;; STRATEGY: Use template for Ball on b1 and b2.</a:t>
             </a:r>
           </a:p>
           <a:p>
@@ -13460,7 +13102,7 @@
                 <a:spcPts val="0"/>
               </a:spcBef>
             </a:pPr>
-            <a:endParaRPr lang="en-US" sz="2400" dirty="0" smtClean="0"/>
+            <a:endParaRPr lang="en-US" sz="2400" dirty="0"/>
           </a:p>
           <a:p>
             <a:pPr>
@@ -13469,20 +13111,8 @@
               </a:spcBef>
             </a:pPr>
             <a:r>
-              <a:rPr lang="en-US" sz="2400" dirty="0" smtClean="0"/>
-              <a:t>(</a:t>
-            </a:r>
-            <a:r>
               <a:rPr lang="en-US" sz="2400" dirty="0"/>
-              <a:t>define </a:t>
-            </a:r>
-            <a:r>
-              <a:rPr lang="en-US" sz="2400" dirty="0" smtClean="0"/>
-              <a:t>(balls-intersect? </a:t>
-            </a:r>
-            <a:r>
-              <a:rPr lang="en-US" sz="2400" dirty="0"/>
-              <a:t>b1 b2)</a:t>
+              <a:t>(define (balls-intersect? b1 b2)</a:t>
             </a:r>
           </a:p>
           <a:p>
@@ -13493,15 +13123,7 @@
             </a:pPr>
             <a:r>
               <a:rPr lang="en-US" sz="2400" dirty="0"/>
-              <a:t>  </a:t>
-            </a:r>
-            <a:r>
-              <a:rPr lang="en-US" sz="2400" dirty="0" smtClean="0"/>
-              <a:t>(circles-intersect</a:t>
-            </a:r>
-            <a:r>
-              <a:rPr lang="en-US" sz="2400" dirty="0"/>
-              <a:t>?</a:t>
+              <a:t>  (circles-intersect?</a:t>
             </a:r>
           </a:p>
           <a:p>
@@ -13594,7 +13216,7 @@
           <a:lstStyle/>
           <a:p>
             <a:r>
-              <a:rPr lang="en-US" dirty="0" smtClean="0"/>
+              <a:rPr lang="en-US" dirty="0"/>
               <a:t>This is OK, because trying to take the balls apart in separate functions just leads to awkward code.</a:t>
             </a:r>
           </a:p>
@@ -13654,15 +13276,7 @@
             </a:pPr>
             <a:r>
               <a:rPr lang="en-US" sz="2000" dirty="0"/>
-              <a:t>;; </a:t>
-            </a:r>
-            <a:r>
-              <a:rPr lang="en-US" sz="2000" dirty="0" smtClean="0"/>
-              <a:t>circles-intersect? </a:t>
-            </a:r>
-            <a:r>
-              <a:rPr lang="en-US" sz="2000" dirty="0"/>
-              <a:t>: Real^3 </a:t>
+              <a:t>;; circles-intersect? : Real^3 </a:t>
             </a:r>
             <a:r>
               <a:rPr lang="en-US" sz="2000" dirty="0" err="1"/>
@@ -13692,11 +13306,7 @@
             </a:pPr>
             <a:r>
               <a:rPr lang="en-US" sz="2000" dirty="0"/>
-              <a:t>;; ANSWERS: Would two circles with the </a:t>
-            </a:r>
-            <a:r>
-              <a:rPr lang="en-US" sz="2000" dirty="0" smtClean="0"/>
-              <a:t>given</a:t>
+              <a:t>;; ANSWERS: Would two circles with the given</a:t>
             </a:r>
           </a:p>
           <a:p>
@@ -13706,12 +13316,8 @@
               </a:spcBef>
             </a:pPr>
             <a:r>
-              <a:rPr lang="en-US" sz="2000" dirty="0" smtClean="0"/>
-              <a:t>;;  </a:t>
-            </a:r>
-            <a:r>
               <a:rPr lang="en-US" sz="2000" dirty="0"/>
-              <a:t>positions and radii intersect?</a:t>
+              <a:t>;;  positions and radii intersect?</a:t>
             </a:r>
           </a:p>
           <a:p>
@@ -13733,15 +13339,7 @@
             </a:pPr>
             <a:r>
               <a:rPr lang="en-US" sz="2000" dirty="0"/>
-              <a:t>(define </a:t>
-            </a:r>
-            <a:r>
-              <a:rPr lang="en-US" sz="2000" dirty="0" smtClean="0"/>
-              <a:t>(circles-intersect? </a:t>
-            </a:r>
-            <a:r>
-              <a:rPr lang="en-US" sz="2000" dirty="0"/>
-              <a:t>x1 y1 r1 x2 y2 r2)</a:t>
+              <a:t>(define (circles-intersect? x1 y1 r1 x2 y2 r2)</a:t>
             </a:r>
           </a:p>
           <a:p>
@@ -13841,10 +13439,9 @@
           <a:lstStyle/>
           <a:p>
             <a:r>
-              <a:rPr lang="en-US" b="1" dirty="0" smtClean="0"/>
+              <a:rPr lang="en-US" b="1" dirty="0"/>
               <a:t>circles-intersect?</a:t>
             </a:r>
-            <a:endParaRPr lang="en-US" b="1" dirty="0"/>
           </a:p>
         </p:txBody>
       </p:sp>
@@ -13914,20 +13511,12 @@
           <a:lstStyle/>
           <a:p>
             <a:r>
-              <a:rPr lang="en-US" b="1" dirty="0" smtClean="0"/>
+              <a:rPr lang="en-US" b="1" dirty="0"/>
               <a:t>circles-intersect? </a:t>
             </a:r>
             <a:r>
               <a:rPr lang="en-US" dirty="0"/>
-              <a:t>knows about geometry.  It doesn't know </a:t>
-            </a:r>
-            <a:r>
-              <a:rPr lang="en-US" dirty="0" smtClean="0"/>
-              <a:t>about </a:t>
-            </a:r>
-            <a:r>
-              <a:rPr lang="en-US" dirty="0"/>
-              <a:t>balls: </a:t>
+              <a:t>knows about geometry.  It doesn't know about balls: </a:t>
             </a:r>
             <a:r>
               <a:rPr lang="en-US" dirty="0" err="1"/>
@@ -13943,18 +13532,14 @@
             </a:r>
             <a:r>
               <a:rPr lang="en-US" dirty="0"/>
-              <a:t> or </a:t>
-            </a:r>
-            <a:r>
-              <a:rPr lang="en-US" dirty="0" smtClean="0"/>
-              <a:t>about </a:t>
-            </a:r>
-            <a:r>
-              <a:rPr lang="en-US" b="1" dirty="0" smtClean="0"/>
+              <a:t> or about </a:t>
+            </a:r>
+            <a:r>
+              <a:rPr lang="en-US" b="1" dirty="0"/>
               <a:t>ball-selected? </a:t>
             </a:r>
             <a:r>
-              <a:rPr lang="en-US" dirty="0" smtClean="0"/>
+              <a:rPr lang="en-US" dirty="0"/>
               <a:t>.</a:t>
             </a:r>
           </a:p>
@@ -14002,42 +13587,17 @@
           <a:lstStyle/>
           <a:p>
             <a:r>
-              <a:rPr lang="en-US" dirty="0" smtClean="0"/>
-              <a:t>If </a:t>
-            </a:r>
-            <a:r>
               <a:rPr lang="en-US" dirty="0"/>
-              <a:t>we changed </a:t>
-            </a:r>
-            <a:r>
-              <a:rPr lang="en-US" dirty="0" smtClean="0"/>
-              <a:t>the representation </a:t>
+              <a:t>If we changed the representation of balls, to add color, text, or to change the names of the fields, </a:t>
+            </a:r>
+            <a:r>
+              <a:rPr lang="en-US" b="1" dirty="0"/>
+              <a:t>circles-intersect? </a:t>
             </a:r>
             <a:r>
               <a:rPr lang="en-US" dirty="0"/>
-              <a:t>of balls, to add color, text, </a:t>
-            </a:r>
-            <a:r>
-              <a:rPr lang="en-US" dirty="0" smtClean="0"/>
-              <a:t>or to </a:t>
-            </a:r>
-            <a:r>
-              <a:rPr lang="en-US" dirty="0"/>
-              <a:t>change the names of the fields, </a:t>
-            </a:r>
-            <a:r>
-              <a:rPr lang="en-US" b="1" dirty="0" smtClean="0"/>
-              <a:t>circles-intersect? </a:t>
-            </a:r>
-            <a:r>
-              <a:rPr lang="en-US" dirty="0" smtClean="0"/>
-              <a:t>wouldn't need </a:t>
-            </a:r>
-            <a:r>
-              <a:rPr lang="en-US" dirty="0"/>
-              <a:t>to change.</a:t>
-            </a:r>
-            <a:endParaRPr lang="en-US" dirty="0" smtClean="0"/>
+              <a:t>wouldn't need to change.</a:t>
+            </a:r>
           </a:p>
         </p:txBody>
       </p:sp>
@@ -14083,15 +13643,15 @@
           <a:lstStyle/>
           <a:p>
             <a:r>
-              <a:rPr lang="en-US" dirty="0" smtClean="0"/>
+              <a:rPr lang="en-US" dirty="0"/>
               <a:t>If you didn't break up </a:t>
             </a:r>
             <a:r>
-              <a:rPr lang="en-US" b="1" dirty="0" smtClean="0"/>
+              <a:rPr lang="en-US" b="1" dirty="0"/>
               <a:t>balls-intersect? </a:t>
             </a:r>
             <a:r>
-              <a:rPr lang="en-US" dirty="0" smtClean="0"/>
+              <a:rPr lang="en-US" dirty="0"/>
               <a:t>with a help function like this, you would very likely be penalized for "needs help function"</a:t>
             </a:r>
           </a:p>
@@ -14145,10 +13705,9 @@
           <a:lstStyle/>
           <a:p>
             <a:r>
-              <a:rPr lang="en-US" dirty="0" smtClean="0"/>
+              <a:rPr lang="en-US" dirty="0"/>
               <a:t>Writing good definitions</a:t>
             </a:r>
-            <a:endParaRPr lang="en-US" dirty="0"/>
           </a:p>
         </p:txBody>
       </p:sp>
@@ -14169,11 +13728,7 @@
           <a:p>
             <a:r>
               <a:rPr lang="en-US" dirty="0"/>
-              <a:t>If your code is ugly, try decomposing things in the other </a:t>
-            </a:r>
-            <a:r>
-              <a:rPr lang="en-US" dirty="0" smtClean="0"/>
-              <a:t>order</a:t>
+              <a:t>If your code is ugly, try decomposing things in the other order</a:t>
             </a:r>
           </a:p>
           <a:p>
@@ -14182,32 +13737,23 @@
               <a:buChar char="•"/>
             </a:pPr>
             <a:r>
-              <a:rPr lang="en-US" sz="3200" dirty="0" smtClean="0"/>
+              <a:rPr lang="en-US" sz="3200" dirty="0"/>
               <a:t>Remember: Keep it short!</a:t>
             </a:r>
           </a:p>
           <a:p>
             <a:pPr marL="742950" lvl="2" indent="-342900"/>
             <a:r>
-              <a:rPr lang="en-US" dirty="0" smtClean="0"/>
-              <a:t>If </a:t>
-            </a:r>
-            <a:r>
               <a:rPr lang="en-US" dirty="0"/>
-              <a:t>you have complicated junk in your function, you must have put it there for a reason.  Turn it into a separate function so you can explain it and test it</a:t>
-            </a:r>
-            <a:r>
-              <a:rPr lang="en-US" dirty="0" smtClean="0"/>
-              <a:t>.</a:t>
+              <a:t>If you have complicated junk in your function, you must have put it there for a reason.  Turn it into a separate function so you can explain it and test it.</a:t>
             </a:r>
           </a:p>
           <a:p>
             <a:pPr marL="742950" lvl="2" indent="-342900"/>
             <a:r>
-              <a:rPr lang="en-US" dirty="0" smtClean="0"/>
+              <a:rPr lang="en-US" dirty="0"/>
               <a:t>If your function is long and unruly, it probably means you are trying to do too much in one function.  Break up your function into separate pieces and use “Combine Simpler Functions.”</a:t>
             </a:r>
-            <a:endParaRPr lang="en-US" dirty="0"/>
           </a:p>
           <a:p>
             <a:endParaRPr lang="en-US" dirty="0"/>
@@ -14248,13 +13794,6 @@
   <p:clrMapOvr>
     <a:masterClrMapping/>
   </p:clrMapOvr>
-  <p:timing>
-    <p:tnLst>
-      <p:par>
-        <p:cTn id="1" dur="indefinite" restart="never" nodeType="tmRoot"/>
-      </p:par>
-    </p:tnLst>
-  </p:timing>
 </p:sld>
 </file>
 
@@ -14291,10 +13830,9 @@
           <a:lstStyle/>
           <a:p>
             <a:r>
-              <a:rPr lang="en-US" dirty="0" smtClean="0"/>
+              <a:rPr lang="en-US" dirty="0"/>
               <a:t>Summary</a:t>
             </a:r>
-            <a:endParaRPr lang="en-US" dirty="0"/>
           </a:p>
         </p:txBody>
       </p:sp>
@@ -14316,56 +13854,56 @@
           <a:lstStyle/>
           <a:p>
             <a:r>
-              <a:rPr lang="en-US" dirty="0" smtClean="0"/>
+              <a:rPr lang="en-US" dirty="0"/>
               <a:t>We’ve now seen three Design Strategies:</a:t>
             </a:r>
           </a:p>
           <a:p>
             <a:pPr lvl="1"/>
             <a:r>
-              <a:rPr lang="en-US" dirty="0" smtClean="0"/>
+              <a:rPr lang="en-US" dirty="0"/>
               <a:t>Combine Simpler Functions</a:t>
             </a:r>
           </a:p>
           <a:p>
             <a:pPr lvl="2"/>
             <a:r>
-              <a:rPr lang="en-US" dirty="0" smtClean="0"/>
+              <a:rPr lang="en-US" dirty="0"/>
               <a:t>Combine simpler functions in series or pipeline</a:t>
             </a:r>
           </a:p>
           <a:p>
             <a:pPr lvl="2"/>
             <a:r>
-              <a:rPr lang="en-US" dirty="0" smtClean="0"/>
+              <a:rPr lang="en-US" dirty="0"/>
               <a:t>Use with any kind of data</a:t>
             </a:r>
           </a:p>
           <a:p>
             <a:pPr lvl="1"/>
             <a:r>
-              <a:rPr lang="en-US" dirty="0" smtClean="0"/>
+              <a:rPr lang="en-US" dirty="0"/>
               <a:t>Use Template</a:t>
             </a:r>
           </a:p>
           <a:p>
             <a:pPr lvl="2"/>
             <a:r>
-              <a:rPr lang="en-US" dirty="0" smtClean="0"/>
+              <a:rPr lang="en-US" dirty="0"/>
               <a:t>Used for enumeration , compound, or mixed data</a:t>
             </a:r>
           </a:p>
           <a:p>
             <a:pPr lvl="2"/>
             <a:r>
-              <a:rPr lang="en-US" dirty="0" smtClean="0"/>
+              <a:rPr lang="en-US" dirty="0"/>
               <a:t>Template gives sketch of function</a:t>
             </a:r>
           </a:p>
           <a:p>
             <a:pPr lvl="2"/>
             <a:r>
-              <a:rPr lang="en-US" dirty="0" smtClean="0"/>
+              <a:rPr lang="en-US" dirty="0"/>
               <a:t>Our most important tool</a:t>
             </a:r>
           </a:p>
@@ -14379,14 +13917,13 @@
           <a:p>
             <a:pPr lvl="2"/>
             <a:r>
-              <a:rPr lang="en-US" dirty="0" smtClean="0"/>
+              <a:rPr lang="en-US" dirty="0"/>
               <a:t>For when you need to divide data into cases, but the template doesn’t fit.</a:t>
             </a:r>
+          </a:p>
+          <a:p>
+            <a:pPr lvl="2"/>
             <a:endParaRPr lang="en-US" dirty="0"/>
-          </a:p>
-          <a:p>
-            <a:pPr lvl="2"/>
-            <a:endParaRPr lang="en-US" dirty="0" smtClean="0"/>
           </a:p>
           <a:p>
             <a:pPr lvl="2"/>
@@ -14429,7 +13966,7 @@
           <a:p>
             <a:pPr algn="ctr"/>
             <a:r>
-              <a:rPr lang="en-US" dirty="0" smtClean="0">
+              <a:rPr lang="en-US" dirty="0">
                 <a:solidFill>
                   <a:schemeClr val="tx1"/>
                 </a:solidFill>
@@ -14440,18 +13977,13 @@
           <a:p>
             <a:pPr algn="ctr"/>
             <a:r>
-              <a:rPr lang="en-US" i="1" dirty="0" smtClean="0">
+              <a:rPr lang="en-US" i="1" dirty="0">
                 <a:solidFill>
                   <a:srgbClr val="FF0000"/>
                 </a:solidFill>
               </a:rPr>
               <a:t> The shape of the data determines the shape of the program.</a:t>
             </a:r>
-            <a:endParaRPr lang="en-US" i="1" dirty="0">
-              <a:solidFill>
-                <a:srgbClr val="FF0000"/>
-              </a:solidFill>
-            </a:endParaRPr>
           </a:p>
         </p:txBody>
       </p:sp>
@@ -14603,10 +14135,9 @@
           <a:lstStyle/>
           <a:p>
             <a:r>
-              <a:rPr lang="en-US" dirty="0" smtClean="0"/>
+              <a:rPr lang="en-US" dirty="0"/>
               <a:t>Next Steps</a:t>
             </a:r>
-            <a:endParaRPr lang="en-US" dirty="0"/>
           </a:p>
         </p:txBody>
       </p:sp>
@@ -14628,28 +14159,28 @@
           <a:lstStyle/>
           <a:p>
             <a:r>
-              <a:rPr lang="en-US" dirty="0" smtClean="0"/>
+              <a:rPr lang="en-US" dirty="0"/>
               <a:t>Study the files </a:t>
             </a:r>
           </a:p>
           <a:p>
             <a:pPr lvl="1"/>
             <a:r>
-              <a:rPr lang="en-US" dirty="0" smtClean="0"/>
+              <a:rPr lang="en-US" dirty="0"/>
               <a:t>02-3-traffic-light-with-timer.rkt </a:t>
             </a:r>
           </a:p>
           <a:p>
             <a:pPr lvl="1"/>
             <a:r>
-              <a:rPr lang="en-US" dirty="0" smtClean="0"/>
+              <a:rPr lang="en-US" dirty="0"/>
               <a:t>02-4-ball-after-mouse.rkt </a:t>
             </a:r>
           </a:p>
           <a:p>
             <a:pPr lvl="1"/>
             <a:r>
-              <a:rPr lang="en-US" dirty="0" smtClean="0"/>
+              <a:rPr lang="en-US" dirty="0"/>
               <a:t>02-5-balls-collide.rkt</a:t>
             </a:r>
           </a:p>
@@ -14658,41 +14189,36 @@
               <a:buNone/>
             </a:pPr>
             <a:r>
-              <a:rPr lang="en-US" dirty="0" smtClean="0"/>
+              <a:rPr lang="en-US" dirty="0"/>
               <a:t>    in the Examples folder.</a:t>
             </a:r>
           </a:p>
           <a:p>
             <a:pPr lvl="1"/>
             <a:r>
-              <a:rPr lang="en-US" dirty="0" smtClean="0"/>
+              <a:rPr lang="en-US" dirty="0"/>
               <a:t>Especially look at the tests.  Observe how the unused code shows up </a:t>
             </a:r>
             <a:r>
-              <a:rPr lang="en-US" smtClean="0"/>
+              <a:rPr lang="en-US"/>
               <a:t>in orange or black</a:t>
             </a:r>
             <a:r>
-              <a:rPr lang="en-US" dirty="0" smtClean="0"/>
+              <a:rPr lang="en-US" dirty="0"/>
               <a:t>.</a:t>
             </a:r>
           </a:p>
           <a:p>
             <a:r>
-              <a:rPr lang="en-US" dirty="0" smtClean="0"/>
-              <a:t>If </a:t>
-            </a:r>
-            <a:r>
               <a:rPr lang="en-US" dirty="0"/>
-              <a:t>you have questions or comments about this lesson, post them on the discussion board.</a:t>
-            </a:r>
-          </a:p>
-          <a:p>
-            <a:r>
-              <a:rPr lang="en-US" dirty="0" smtClean="0"/>
+              <a:t>If you have questions or comments about this lesson, post them on the discussion board.</a:t>
+            </a:r>
+          </a:p>
+          <a:p>
+            <a:r>
+              <a:rPr lang="en-US" dirty="0"/>
               <a:t>Go on to the next lesson.</a:t>
             </a:r>
-            <a:endParaRPr lang="en-US" dirty="0"/>
           </a:p>
         </p:txBody>
       </p:sp>
@@ -14730,13 +14256,6 @@
   <p:clrMapOvr>
     <a:masterClrMapping/>
   </p:clrMapOvr>
-  <p:timing>
-    <p:tnLst>
-      <p:par>
-        <p:cTn id="1" dur="indefinite" restart="never" nodeType="tmRoot"/>
-      </p:par>
-    </p:tnLst>
-  </p:timing>
 </p:sld>
 </file>
 
@@ -14775,10 +14294,9 @@
           <a:lstStyle/>
           <a:p>
             <a:r>
-              <a:rPr lang="en-US" dirty="0" smtClean="0"/>
+              <a:rPr lang="en-US" dirty="0"/>
               <a:t>You can only use one template at a time.</a:t>
             </a:r>
-            <a:endParaRPr lang="en-US" dirty="0"/>
           </a:p>
         </p:txBody>
       </p:sp>
@@ -14801,29 +14319,8 @@
           <a:p>
             <a:r>
               <a:rPr lang="en-US" dirty="0"/>
-              <a:t>If you need to do </a:t>
-            </a:r>
-            <a:r>
-              <a:rPr lang="en-US" dirty="0" smtClean="0"/>
-              <a:t>examine more than one value, examine </a:t>
-            </a:r>
-            <a:r>
-              <a:rPr lang="en-US" dirty="0"/>
-              <a:t>one argument </a:t>
-            </a:r>
-            <a:r>
-              <a:rPr lang="en-US" dirty="0" smtClean="0"/>
-              <a:t>first, using its template, </a:t>
-            </a:r>
-            <a:r>
-              <a:rPr lang="en-US" dirty="0"/>
-              <a:t>and pass the results on to a suitable help function or functions</a:t>
-            </a:r>
-            <a:r>
-              <a:rPr lang="en-US" dirty="0" smtClean="0"/>
-              <a:t>.</a:t>
-            </a:r>
-            <a:endParaRPr lang="en-US" dirty="0"/>
+              <a:t>If you need to do examine more than one value, examine one argument first, using its template, and pass the results on to a suitable help function or functions.</a:t>
+            </a:r>
           </a:p>
         </p:txBody>
       </p:sp>
@@ -14921,13 +14418,6 @@
   <p:clrMapOvr>
     <a:masterClrMapping/>
   </p:clrMapOvr>
-  <p:timing>
-    <p:tnLst>
-      <p:par>
-        <p:cTn id="1" dur="indefinite" restart="never" nodeType="tmRoot"/>
-      </p:par>
-    </p:tnLst>
-  </p:timing>
 </p:sld>
 </file>
 
@@ -14966,10 +14456,9 @@
           <a:lstStyle/>
           <a:p>
             <a:r>
-              <a:rPr lang="en-US" dirty="0" smtClean="0"/>
+              <a:rPr lang="en-US" dirty="0"/>
               <a:t>Examining multiple values: example #1</a:t>
             </a:r>
-            <a:endParaRPr lang="en-US" dirty="0"/>
           </a:p>
         </p:txBody>
       </p:sp>
@@ -15047,7 +14536,7 @@
           <a:lstStyle/>
           <a:p>
             <a:r>
-              <a:rPr lang="en-US" dirty="0" smtClean="0">
+              <a:rPr lang="en-US" dirty="0">
                 <a:hlinkClick r:id="rId4"/>
               </a:rPr>
               <a:t>YouTube link</a:t>
@@ -15105,18 +14594,13 @@
               <a:defRPr/>
             </a:pPr>
             <a:r>
-              <a:rPr lang="en-US" dirty="0" smtClean="0">
+              <a:rPr lang="en-US" dirty="0">
                 <a:solidFill>
                   <a:schemeClr val="tx1"/>
                 </a:solidFill>
               </a:rPr>
               <a:t>Reminder: “structural decomposition” is just a fancier word for what we’re calling “using the template”.</a:t>
             </a:r>
-            <a:endParaRPr lang="en-US" dirty="0">
-              <a:solidFill>
-                <a:schemeClr val="tx1"/>
-              </a:solidFill>
-            </a:endParaRPr>
           </a:p>
         </p:txBody>
       </p:sp>
@@ -15130,13 +14614,6 @@
   <p:clrMapOvr>
     <a:masterClrMapping/>
   </p:clrMapOvr>
-  <p:timing>
-    <p:tnLst>
-      <p:par>
-        <p:cTn id="1" dur="indefinite" restart="never" nodeType="tmRoot"/>
-      </p:par>
-    </p:tnLst>
-  </p:timing>
 </p:sld>
 </file>
 
@@ -15175,38 +14652,33 @@
           <a:lstStyle/>
           <a:p>
             <a:r>
-              <a:rPr lang="en-US" dirty="0" smtClean="0"/>
+              <a:rPr lang="en-US" dirty="0"/>
               <a:t>Let's consider </a:t>
             </a:r>
             <a:r>
-              <a:rPr lang="en-US" b="1" dirty="0" smtClean="0"/>
+              <a:rPr lang="en-US" b="1" dirty="0"/>
               <a:t>ball-after-mouse</a:t>
             </a:r>
             <a:r>
-              <a:rPr lang="en-US" dirty="0" smtClean="0"/>
+              <a:rPr lang="en-US" dirty="0"/>
               <a:t>:</a:t>
             </a:r>
           </a:p>
           <a:p>
             <a:r>
-              <a:rPr lang="en-US" dirty="0" smtClean="0"/>
-              <a:t>We </a:t>
-            </a:r>
-            <a:r>
               <a:rPr lang="en-US" dirty="0"/>
-              <a:t>are modelling the behavior of a ball in a simulation.  </a:t>
-            </a:r>
-            <a:endParaRPr lang="en-US" dirty="0" smtClean="0"/>
-          </a:p>
-          <a:p>
-            <a:r>
-              <a:rPr lang="en-US" dirty="0" smtClean="0"/>
+              <a:t>We are modelling the behavior of a ball in a simulation.  </a:t>
+            </a:r>
+          </a:p>
+          <a:p>
+            <a:r>
+              <a:rPr lang="en-US" dirty="0"/>
               <a:t>The ball responds to mouse events.  To model this response, we clearly have to look both at the ball and the mouse event.</a:t>
             </a:r>
           </a:p>
           <a:p>
             <a:r>
-              <a:rPr lang="en-US" dirty="0" smtClean="0"/>
+              <a:rPr lang="en-US" dirty="0"/>
               <a:t>Let's look at the data definition and the functions.</a:t>
             </a:r>
           </a:p>
@@ -15230,10 +14702,9 @@
           <a:lstStyle/>
           <a:p>
             <a:r>
-              <a:rPr lang="en-US" dirty="0" smtClean="0"/>
+              <a:rPr lang="en-US" dirty="0"/>
               <a:t>Examining more than one value: example #2</a:t>
             </a:r>
-            <a:endParaRPr lang="en-US" dirty="0"/>
           </a:p>
         </p:txBody>
       </p:sp>
@@ -15271,13 +14742,6 @@
   <p:clrMapOvr>
     <a:masterClrMapping/>
   </p:clrMapOvr>
-  <p:timing>
-    <p:tnLst>
-      <p:par>
-        <p:cTn id="1" dur="indefinite" restart="never" nodeType="tmRoot"/>
-      </p:par>
-    </p:tnLst>
-  </p:timing>
 </p:sld>
 </file>
 
@@ -15316,7 +14780,7 @@
           <a:lstStyle/>
           <a:p>
             <a:r>
-              <a:rPr lang="en-US" dirty="0" smtClean="0"/>
+              <a:rPr lang="en-US" dirty="0"/>
               <a:t>Contract and Purpose Statement:</a:t>
             </a:r>
           </a:p>
@@ -15328,18 +14792,11 @@
               <a:buNone/>
             </a:pPr>
             <a:r>
-              <a:rPr lang="en-US" sz="2000" b="1" dirty="0" smtClean="0">
-                <a:latin typeface="Consolas" panose="020B0609020204030204" pitchFamily="49" charset="0"/>
-                <a:cs typeface="Consolas" panose="020B0609020204030204" pitchFamily="49" charset="0"/>
-              </a:rPr>
-              <a:t>;; </a:t>
-            </a:r>
-            <a:r>
               <a:rPr lang="en-US" sz="2000" b="1" dirty="0">
                 <a:latin typeface="Consolas" panose="020B0609020204030204" pitchFamily="49" charset="0"/>
                 <a:cs typeface="Consolas" panose="020B0609020204030204" pitchFamily="49" charset="0"/>
               </a:rPr>
-              <a:t>ball-after-mouse : </a:t>
+              <a:t>;; ball-after-mouse : </a:t>
             </a:r>
           </a:p>
           <a:p>
@@ -15354,24 +14811,17 @@
                 <a:latin typeface="Consolas" panose="020B0609020204030204" pitchFamily="49" charset="0"/>
                 <a:cs typeface="Consolas" panose="020B0609020204030204" pitchFamily="49" charset="0"/>
               </a:rPr>
-              <a:t>;;    Ball </a:t>
-            </a:r>
-            <a:r>
-              <a:rPr lang="en-US" sz="2000" b="1" dirty="0" smtClean="0">
-                <a:latin typeface="Consolas" panose="020B0609020204030204" pitchFamily="49" charset="0"/>
-                <a:cs typeface="Consolas" panose="020B0609020204030204" pitchFamily="49" charset="0"/>
-              </a:rPr>
-              <a:t>Integer </a:t>
-            </a:r>
-            <a:r>
-              <a:rPr lang="en-US" sz="2000" b="1" dirty="0" err="1" smtClean="0">
+              <a:t>;;    Ball Integer </a:t>
+            </a:r>
+            <a:r>
+              <a:rPr lang="en-US" sz="2000" b="1" dirty="0" err="1">
                 <a:latin typeface="Consolas" panose="020B0609020204030204" pitchFamily="49" charset="0"/>
                 <a:cs typeface="Consolas" panose="020B0609020204030204" pitchFamily="49" charset="0"/>
               </a:rPr>
               <a:t>Integer</a:t>
             </a:r>
             <a:r>
-              <a:rPr lang="en-US" sz="2000" b="1" dirty="0" smtClean="0">
+              <a:rPr lang="en-US" sz="2000" b="1" dirty="0">
                 <a:latin typeface="Consolas" panose="020B0609020204030204" pitchFamily="49" charset="0"/>
                 <a:cs typeface="Consolas" panose="020B0609020204030204" pitchFamily="49" charset="0"/>
               </a:rPr>
@@ -15421,10 +14871,6 @@
               </a:rPr>
               <a:t>;; RETURNS: the ball after the given mouse event at </a:t>
             </a:r>
-            <a:endParaRPr lang="en-US" sz="2000" b="1" dirty="0" smtClean="0">
-              <a:latin typeface="Consolas" panose="020B0609020204030204" pitchFamily="49" charset="0"/>
-              <a:cs typeface="Consolas" panose="020B0609020204030204" pitchFamily="49" charset="0"/>
-            </a:endParaRPr>
           </a:p>
           <a:p>
             <a:pPr marL="0" indent="0">
@@ -15434,7 +14880,7 @@
               <a:buNone/>
             </a:pPr>
             <a:r>
-              <a:rPr lang="en-US" sz="2000" b="1" dirty="0" smtClean="0">
+              <a:rPr lang="en-US" sz="2000" b="1" dirty="0">
                 <a:latin typeface="Consolas" panose="020B0609020204030204" pitchFamily="49" charset="0"/>
                 <a:cs typeface="Consolas" panose="020B0609020204030204" pitchFamily="49" charset="0"/>
               </a:rPr>
@@ -15461,19 +14907,7 @@
             </a:pPr>
             <a:r>
               <a:rPr lang="en-US" dirty="0"/>
-              <a:t>Remember, when we say "a ball", we mean </a:t>
-            </a:r>
-            <a:r>
-              <a:rPr lang="en-US" dirty="0" smtClean="0"/>
-              <a:t>“the </a:t>
-            </a:r>
-            <a:r>
-              <a:rPr lang="en-US" dirty="0"/>
-              <a:t>state of the </a:t>
-            </a:r>
-            <a:r>
-              <a:rPr lang="en-US" dirty="0" smtClean="0"/>
-              <a:t>ball”:  this function takes a ball state and returns another ball state.</a:t>
+              <a:t>Remember, when we say "a ball", we mean “the state of the ball”:  this function takes a ball state and returns another ball state.</a:t>
             </a:r>
           </a:p>
           <a:p>
@@ -15483,7 +14917,7 @@
               </a:spcBef>
             </a:pPr>
             <a:r>
-              <a:rPr lang="en-US" dirty="0" smtClean="0"/>
+              <a:rPr lang="en-US" dirty="0"/>
               <a:t>This is sometimes called “the successor-value pattern.”</a:t>
             </a:r>
           </a:p>
@@ -15525,10 +14959,9 @@
           <a:lstStyle/>
           <a:p>
             <a:r>
-              <a:rPr lang="en-US" dirty="0" smtClean="0"/>
+              <a:rPr lang="en-US" dirty="0"/>
               <a:t>Structural Decomposition on more than one value: example #2</a:t>
             </a:r>
-            <a:endParaRPr lang="en-US" dirty="0"/>
           </a:p>
         </p:txBody>
       </p:sp>
@@ -15566,13 +14999,6 @@
   <p:clrMapOvr>
     <a:masterClrMapping/>
   </p:clrMapOvr>
-  <p:timing>
-    <p:tnLst>
-      <p:par>
-        <p:cTn id="1" dur="indefinite" restart="never" nodeType="tmRoot"/>
-      </p:par>
-    </p:tnLst>
-  </p:timing>
 </p:sld>
 </file>
 
@@ -15609,10 +15035,9 @@
           <a:lstStyle/>
           <a:p>
             <a:r>
-              <a:rPr lang="en-US" dirty="0" smtClean="0"/>
+              <a:rPr lang="en-US" dirty="0"/>
               <a:t>Data Definition: Ball</a:t>
             </a:r>
-            <a:endParaRPr lang="en-US" dirty="0"/>
           </a:p>
         </p:txBody>
       </p:sp>
@@ -15672,35 +15097,21 @@
                 <a:latin typeface="Consolas" pitchFamily="49" charset="0"/>
                 <a:cs typeface="Consolas" pitchFamily="49" charset="0"/>
               </a:rPr>
-              <a:t>;; A Ball is a (make-ball </a:t>
-            </a:r>
-            <a:r>
-              <a:rPr lang="en-US" sz="1800" dirty="0" smtClean="0">
-                <a:latin typeface="Consolas" pitchFamily="49" charset="0"/>
-                <a:cs typeface="Consolas" pitchFamily="49" charset="0"/>
-              </a:rPr>
-              <a:t>Integer </a:t>
-            </a:r>
-            <a:r>
-              <a:rPr lang="en-US" sz="1800" dirty="0" err="1" smtClean="0">
+              <a:t>;; A Ball is a (make-ball Integer </a:t>
+            </a:r>
+            <a:r>
+              <a:rPr lang="en-US" sz="1800" dirty="0" err="1">
                 <a:latin typeface="Consolas" pitchFamily="49" charset="0"/>
                 <a:cs typeface="Consolas" pitchFamily="49" charset="0"/>
               </a:rPr>
               <a:t>Integer</a:t>
             </a:r>
             <a:r>
-              <a:rPr lang="en-US" sz="1800" dirty="0" smtClean="0">
-                <a:latin typeface="Consolas" pitchFamily="49" charset="0"/>
-                <a:cs typeface="Consolas" pitchFamily="49" charset="0"/>
-              </a:rPr>
-              <a:t> Real Boolean</a:t>
-            </a:r>
-            <a:r>
               <a:rPr lang="en-US" sz="1800" dirty="0">
                 <a:latin typeface="Consolas" pitchFamily="49" charset="0"/>
                 <a:cs typeface="Consolas" pitchFamily="49" charset="0"/>
               </a:rPr>
-              <a:t>)</a:t>
+              <a:t> Real Boolean)</a:t>
             </a:r>
           </a:p>
           <a:p>
@@ -15711,25 +15122,14 @@
               </a:rPr>
               <a:t>;; x and y are the coordinates of the center of the ball, </a:t>
             </a:r>
-            <a:endParaRPr lang="en-US" sz="1800" dirty="0" smtClean="0">
-              <a:latin typeface="Consolas" pitchFamily="49" charset="0"/>
-              <a:cs typeface="Consolas" pitchFamily="49" charset="0"/>
-            </a:endParaRPr>
-          </a:p>
-          <a:p>
-            <a:r>
-              <a:rPr lang="en-US" sz="1800" dirty="0" smtClean="0">
-                <a:latin typeface="Consolas" pitchFamily="49" charset="0"/>
-                <a:cs typeface="Consolas" pitchFamily="49" charset="0"/>
-              </a:rPr>
-              <a:t>;; in pixels, relative </a:t>
-            </a:r>
+          </a:p>
+          <a:p>
             <a:r>
               <a:rPr lang="en-US" sz="1800" dirty="0">
                 <a:latin typeface="Consolas" pitchFamily="49" charset="0"/>
                 <a:cs typeface="Consolas" pitchFamily="49" charset="0"/>
               </a:rPr>
-              <a:t>to the origin of the scene.</a:t>
+              <a:t>;; in pixels, relative to the origin of the scene.</a:t>
             </a:r>
           </a:p>
           <a:p>
@@ -15817,49 +15217,7 @@
                 <a:latin typeface="Consolas" pitchFamily="49" charset="0"/>
                 <a:cs typeface="Consolas" pitchFamily="49" charset="0"/>
               </a:rPr>
-              <a:t>;;     (ball-x b</a:t>
-            </a:r>
-            <a:r>
-              <a:rPr lang="en-US" sz="1800" dirty="0" smtClean="0">
-                <a:latin typeface="Consolas" pitchFamily="49" charset="0"/>
-                <a:cs typeface="Consolas" pitchFamily="49" charset="0"/>
-              </a:rPr>
-              <a:t>) </a:t>
-            </a:r>
-            <a:r>
-              <a:rPr lang="en-US" sz="1800" dirty="0">
-                <a:latin typeface="Consolas" pitchFamily="49" charset="0"/>
-                <a:cs typeface="Consolas" pitchFamily="49" charset="0"/>
-              </a:rPr>
-              <a:t>(ball-y b</a:t>
-            </a:r>
-            <a:r>
-              <a:rPr lang="en-US" sz="1800" dirty="0" smtClean="0">
-                <a:latin typeface="Consolas" pitchFamily="49" charset="0"/>
-                <a:cs typeface="Consolas" pitchFamily="49" charset="0"/>
-              </a:rPr>
-              <a:t>) (</a:t>
-            </a:r>
-            <a:r>
-              <a:rPr lang="en-US" sz="1800" dirty="0">
-                <a:latin typeface="Consolas" pitchFamily="49" charset="0"/>
-                <a:cs typeface="Consolas" pitchFamily="49" charset="0"/>
-              </a:rPr>
-              <a:t>ball-radius b</a:t>
-            </a:r>
-            <a:r>
-              <a:rPr lang="en-US" sz="1800" dirty="0" smtClean="0">
-                <a:latin typeface="Consolas" pitchFamily="49" charset="0"/>
-                <a:cs typeface="Consolas" pitchFamily="49" charset="0"/>
-              </a:rPr>
-              <a:t>) (</a:t>
-            </a:r>
-            <a:r>
-              <a:rPr lang="en-US" sz="1800" dirty="0">
-                <a:latin typeface="Consolas" pitchFamily="49" charset="0"/>
-                <a:cs typeface="Consolas" pitchFamily="49" charset="0"/>
-              </a:rPr>
-              <a:t>ball-selected? b)))</a:t>
+              <a:t>;;     (ball-x b) (ball-y b) (ball-radius b) (ball-selected? b)))</a:t>
             </a:r>
           </a:p>
         </p:txBody>
@@ -15907,10 +15265,9 @@
           <a:lstStyle/>
           <a:p>
             <a:r>
-              <a:rPr lang="en-US" dirty="0" smtClean="0"/>
+              <a:rPr lang="en-US" dirty="0"/>
               <a:t>We follow the design recipe:  we start with the data definitions.</a:t>
             </a:r>
-            <a:endParaRPr lang="en-US" dirty="0"/>
           </a:p>
         </p:txBody>
       </p:sp>
@@ -15924,13 +15281,6 @@
   <p:clrMapOvr>
     <a:masterClrMapping/>
   </p:clrMapOvr>
-  <p:timing>
-    <p:tnLst>
-      <p:par>
-        <p:cTn id="1" dur="indefinite" restart="never" nodeType="tmRoot"/>
-      </p:par>
-    </p:tnLst>
-  </p:timing>
 </p:sld>
 </file>
 
@@ -15967,16 +15317,12 @@
           <a:lstStyle/>
           <a:p>
             <a:r>
-              <a:rPr lang="en-US" b="1" dirty="0" smtClean="0">
+              <a:rPr lang="en-US" b="1" dirty="0">
                 <a:latin typeface="Consolas" pitchFamily="49" charset="0"/>
                 <a:cs typeface="Consolas" pitchFamily="49" charset="0"/>
               </a:rPr>
               <a:t>ball-after-mouse</a:t>
             </a:r>
-            <a:endParaRPr lang="en-US" b="1" dirty="0">
-              <a:latin typeface="Consolas" pitchFamily="49" charset="0"/>
-              <a:cs typeface="Consolas" pitchFamily="49" charset="0"/>
-            </a:endParaRPr>
           </a:p>
         </p:txBody>
       </p:sp>
@@ -16001,19 +15347,18 @@
               <a:rPr lang="en-US" dirty="0"/>
               <a:t>;; ball-after-mouse : </a:t>
             </a:r>
-            <a:endParaRPr lang="en-US" dirty="0" smtClean="0"/>
-          </a:p>
-          <a:p>
-            <a:r>
-              <a:rPr lang="en-US" dirty="0" smtClean="0"/>
+          </a:p>
+          <a:p>
+            <a:r>
+              <a:rPr lang="en-US" dirty="0"/>
               <a:t>;;    Ball Integer </a:t>
             </a:r>
             <a:r>
-              <a:rPr lang="en-US" dirty="0" err="1" smtClean="0"/>
+              <a:rPr lang="en-US" dirty="0" err="1"/>
               <a:t>Integer</a:t>
             </a:r>
             <a:r>
-              <a:rPr lang="en-US" dirty="0" smtClean="0"/>
+              <a:rPr lang="en-US" dirty="0"/>
               <a:t> </a:t>
             </a:r>
             <a:r>
@@ -16036,21 +15381,20 @@
               <a:rPr lang="en-US" dirty="0"/>
               <a:t>;; RETURNS: the ball after the given mouse event at </a:t>
             </a:r>
-            <a:endParaRPr lang="en-US" dirty="0" smtClean="0"/>
-          </a:p>
-          <a:p>
-            <a:r>
-              <a:rPr lang="en-US" dirty="0" smtClean="0"/>
+          </a:p>
+          <a:p>
+            <a:r>
+              <a:rPr lang="en-US" dirty="0"/>
               <a:t>;; the given location.</a:t>
             </a:r>
           </a:p>
           <a:p>
             <a:r>
-              <a:rPr lang="en-US" dirty="0" smtClean="0"/>
+              <a:rPr lang="en-US" dirty="0"/>
               <a:t>;; STRATEGY: Cases on </a:t>
             </a:r>
             <a:r>
-              <a:rPr lang="en-US" dirty="0" err="1" smtClean="0"/>
+              <a:rPr lang="en-US" dirty="0" err="1"/>
               <a:t>mev</a:t>
             </a:r>
             <a:endParaRPr lang="en-US" dirty="0"/>
@@ -16093,20 +15437,11 @@
               <a:rPr lang="en-US" dirty="0"/>
               <a:t> "button-down") </a:t>
             </a:r>
-            <a:endParaRPr lang="en-US" dirty="0" smtClean="0"/>
           </a:p>
           <a:p>
             <a:r>
               <a:rPr lang="en-US" dirty="0"/>
-              <a:t> </a:t>
-            </a:r>
-            <a:r>
-              <a:rPr lang="en-US" dirty="0" smtClean="0"/>
-              <a:t>    (</a:t>
-            </a:r>
-            <a:r>
-              <a:rPr lang="en-US" dirty="0"/>
-              <a:t>ball-after-button-down b mx my)]</a:t>
+              <a:t>     (ball-after-button-down b mx my)]</a:t>
             </a:r>
           </a:p>
           <a:p>
@@ -16122,20 +15457,11 @@
               <a:rPr lang="en-US" dirty="0"/>
               <a:t> "drag") </a:t>
             </a:r>
-            <a:endParaRPr lang="en-US" dirty="0" smtClean="0"/>
           </a:p>
           <a:p>
             <a:r>
               <a:rPr lang="en-US" dirty="0"/>
-              <a:t> </a:t>
-            </a:r>
-            <a:r>
-              <a:rPr lang="en-US" dirty="0" smtClean="0"/>
-              <a:t>    (</a:t>
-            </a:r>
-            <a:r>
-              <a:rPr lang="en-US" dirty="0"/>
-              <a:t>ball-after-drag b mx my)]</a:t>
+              <a:t>     (ball-after-drag b mx my)]</a:t>
             </a:r>
           </a:p>
           <a:p>
@@ -16151,20 +15477,11 @@
               <a:rPr lang="en-US" dirty="0"/>
               <a:t> "button-up") </a:t>
             </a:r>
-            <a:endParaRPr lang="en-US" dirty="0" smtClean="0"/>
           </a:p>
           <a:p>
             <a:r>
               <a:rPr lang="en-US" dirty="0"/>
-              <a:t> </a:t>
-            </a:r>
-            <a:r>
-              <a:rPr lang="en-US" dirty="0" smtClean="0"/>
-              <a:t>    (</a:t>
-            </a:r>
-            <a:r>
-              <a:rPr lang="en-US" dirty="0"/>
-              <a:t>ball-after-button-up b mx my)]</a:t>
+              <a:t>     (ball-after-button-up b mx my)]</a:t>
             </a:r>
           </a:p>
           <a:p>
@@ -16220,15 +15537,15 @@
           <a:lstStyle/>
           <a:p>
             <a:r>
-              <a:rPr lang="en-US" dirty="0" smtClean="0"/>
+              <a:rPr lang="en-US" dirty="0"/>
               <a:t>We now have a </a:t>
             </a:r>
             <a:r>
-              <a:rPr lang="en-US" dirty="0" err="1" smtClean="0"/>
+              <a:rPr lang="en-US" dirty="0" err="1"/>
               <a:t>wishlist</a:t>
             </a:r>
             <a:r>
-              <a:rPr lang="en-US" dirty="0" smtClean="0"/>
+              <a:rPr lang="en-US" dirty="0"/>
               <a:t> of functions to design:</a:t>
             </a:r>
           </a:p>
@@ -16237,7 +15554,7 @@
               <a:buAutoNum type="arabicPeriod"/>
             </a:pPr>
             <a:r>
-              <a:rPr lang="en-US" b="1" dirty="0" smtClean="0">
+              <a:rPr lang="en-US" b="1" dirty="0">
                 <a:latin typeface="Consolas" pitchFamily="49" charset="0"/>
                 <a:cs typeface="Consolas" pitchFamily="49" charset="0"/>
               </a:rPr>
@@ -16249,7 +15566,7 @@
               <a:buAutoNum type="arabicPeriod"/>
             </a:pPr>
             <a:r>
-              <a:rPr lang="en-US" b="1" dirty="0" smtClean="0">
+              <a:rPr lang="en-US" b="1" dirty="0">
                 <a:latin typeface="Consolas" pitchFamily="49" charset="0"/>
                 <a:cs typeface="Consolas" pitchFamily="49" charset="0"/>
               </a:rPr>
@@ -16261,7 +15578,7 @@
               <a:buAutoNum type="arabicPeriod"/>
             </a:pPr>
             <a:r>
-              <a:rPr lang="en-US" b="1" dirty="0" smtClean="0">
+              <a:rPr lang="en-US" b="1" dirty="0">
                 <a:latin typeface="Consolas" pitchFamily="49" charset="0"/>
                 <a:cs typeface="Consolas" pitchFamily="49" charset="0"/>
               </a:rPr>
@@ -16313,18 +15630,9 @@
           <a:lstStyle/>
           <a:p>
             <a:r>
-              <a:rPr lang="en-US" dirty="0" smtClean="0"/>
-              <a:t>We first do cases on the mouse event. The </a:t>
-            </a:r>
-            <a:r>
               <a:rPr lang="en-US" dirty="0"/>
-              <a:t>data is handed off to one of several help functions.  Each help function will decompose the compound data</a:t>
-            </a:r>
-            <a:r>
-              <a:rPr lang="en-US" dirty="0" smtClean="0"/>
-              <a:t>.</a:t>
-            </a:r>
-            <a:endParaRPr lang="en-US" dirty="0"/>
+              <a:t>We first do cases on the mouse event. The data is handed off to one of several help functions.  Each help function will decompose the compound data.</a:t>
+            </a:r>
           </a:p>
         </p:txBody>
       </p:sp>
@@ -16474,10 +15782,9 @@
           <a:lstStyle/>
           <a:p>
             <a:r>
-              <a:rPr lang="en-US" dirty="0" smtClean="0"/>
+              <a:rPr lang="en-US" dirty="0"/>
               <a:t>Let’s draw a picture</a:t>
             </a:r>
-            <a:endParaRPr lang="en-US" dirty="0"/>
           </a:p>
         </p:txBody>
       </p:sp>
@@ -16551,15 +15858,7 @@
                   <a:schemeClr val="tx1"/>
                 </a:solidFill>
               </a:rPr>
-              <a:t>b</a:t>
-            </a:r>
-            <a:r>
-              <a:rPr lang="en-US" dirty="0" smtClean="0">
-                <a:solidFill>
-                  <a:schemeClr val="tx1"/>
-                </a:solidFill>
-              </a:rPr>
-              <a:t>all-after-mouse</a:t>
+              <a:t>ball-after-mouse</a:t>
             </a:r>
           </a:p>
         </p:txBody>
@@ -16605,7 +15904,7 @@
           <a:p>
             <a:pPr algn="ctr"/>
             <a:r>
-              <a:rPr lang="en-US" dirty="0" smtClean="0">
+              <a:rPr lang="en-US" dirty="0">
                 <a:solidFill>
                   <a:schemeClr val="tx1"/>
                 </a:solidFill>
@@ -16656,7 +15955,7 @@
           <a:p>
             <a:pPr algn="ctr"/>
             <a:r>
-              <a:rPr lang="en-US" dirty="0" smtClean="0">
+              <a:rPr lang="en-US" dirty="0">
                 <a:solidFill>
                   <a:schemeClr val="tx1"/>
                 </a:solidFill>
@@ -16707,7 +16006,7 @@
           <a:p>
             <a:pPr algn="ctr"/>
             <a:r>
-              <a:rPr lang="en-US" dirty="0" smtClean="0">
+              <a:rPr lang="en-US" dirty="0">
                 <a:solidFill>
                   <a:schemeClr val="tx1"/>
                 </a:solidFill>
@@ -16874,11 +16173,11 @@
           <a:lstStyle/>
           <a:p>
             <a:r>
-              <a:rPr lang="en-US" dirty="0" smtClean="0"/>
+              <a:rPr lang="en-US" dirty="0"/>
               <a:t>This tree shows the organization of these functions.   The arrows go from the called function to the caller.  Let’s explore </a:t>
             </a:r>
             <a:r>
-              <a:rPr lang="en-US" b="1" dirty="0" smtClean="0"/>
+              <a:rPr lang="en-US" b="1" dirty="0"/>
               <a:t>ball-after-drag</a:t>
             </a:r>
           </a:p>
@@ -16930,16 +16229,12 @@
           <a:lstStyle/>
           <a:p>
             <a:r>
-              <a:rPr lang="en-US" b="1" dirty="0" smtClean="0">
+              <a:rPr lang="en-US" b="1" dirty="0">
                 <a:latin typeface="Consolas" pitchFamily="49" charset="0"/>
                 <a:cs typeface="Consolas" pitchFamily="49" charset="0"/>
               </a:rPr>
               <a:t>ball-after-drag</a:t>
             </a:r>
-            <a:endParaRPr lang="en-US" b="1" dirty="0">
-              <a:latin typeface="Consolas" pitchFamily="49" charset="0"/>
-              <a:cs typeface="Consolas" pitchFamily="49" charset="0"/>
-            </a:endParaRPr>
           </a:p>
         </p:txBody>
       </p:sp>
@@ -16964,32 +16259,19 @@
               <a:rPr lang="en-US" sz="2400" dirty="0"/>
               <a:t>;; ball-after-drag </a:t>
             </a:r>
-            <a:endParaRPr lang="en-US" sz="2400" dirty="0" smtClean="0"/>
-          </a:p>
-          <a:p>
-            <a:r>
-              <a:rPr lang="en-US" sz="2400" dirty="0" smtClean="0"/>
-              <a:t>;;      : </a:t>
-            </a:r>
+          </a:p>
+          <a:p>
             <a:r>
               <a:rPr lang="en-US" sz="2400" dirty="0"/>
-              <a:t>Ball </a:t>
-            </a:r>
-            <a:r>
-              <a:rPr lang="en-US" sz="2400" dirty="0" smtClean="0"/>
-              <a:t>Integer </a:t>
-            </a:r>
-            <a:r>
-              <a:rPr lang="en-US" sz="2400" dirty="0" err="1" smtClean="0"/>
+              <a:t>;;      : Ball Integer </a:t>
+            </a:r>
+            <a:r>
+              <a:rPr lang="en-US" sz="2400" dirty="0" err="1"/>
               <a:t>Integer</a:t>
             </a:r>
             <a:r>
-              <a:rPr lang="en-US" sz="2400" dirty="0" smtClean="0"/>
-              <a:t> </a:t>
-            </a:r>
-            <a:r>
               <a:rPr lang="en-US" sz="2400" dirty="0"/>
-              <a:t>-&gt; Ball</a:t>
+              <a:t> -&gt; Ball</a:t>
             </a:r>
           </a:p>
           <a:p>
@@ -17001,41 +16283,25 @@
           <a:p>
             <a:r>
               <a:rPr lang="en-US" sz="2400" dirty="0"/>
-              <a:t>;; RETURNS: the ball after a drag event at </a:t>
-            </a:r>
-            <a:r>
-              <a:rPr lang="en-US" sz="2400" dirty="0" smtClean="0"/>
-              <a:t>the</a:t>
-            </a:r>
-          </a:p>
-          <a:p>
-            <a:r>
-              <a:rPr lang="en-US" sz="2400" dirty="0" smtClean="0"/>
-              <a:t>;; </a:t>
-            </a:r>
+              <a:t>;; RETURNS: the ball after a drag event at the</a:t>
+            </a:r>
+          </a:p>
+          <a:p>
             <a:r>
               <a:rPr lang="en-US" sz="2400" dirty="0"/>
-              <a:t>given location.</a:t>
+              <a:t>;; given location.</a:t>
             </a:r>
           </a:p>
           <a:p>
             <a:r>
               <a:rPr lang="en-US" sz="2400" dirty="0"/>
-              <a:t>;; STRATEGY: </a:t>
-            </a:r>
-            <a:r>
-              <a:rPr lang="en-US" sz="2400" dirty="0" smtClean="0"/>
-              <a:t>Use template for Ball on b.</a:t>
-            </a:r>
-          </a:p>
-          <a:p>
-            <a:r>
-              <a:rPr lang="en-US" sz="2400" dirty="0" smtClean="0"/>
-              <a:t>(</a:t>
-            </a:r>
+              <a:t>;; STRATEGY: Use template for Ball on b.</a:t>
+            </a:r>
+          </a:p>
+          <a:p>
             <a:r>
               <a:rPr lang="en-US" sz="2400" dirty="0"/>
-              <a:t>define (ball-after-drag b x y)</a:t>
+              <a:t>(define (ball-after-drag b x y)</a:t>
             </a:r>
           </a:p>
           <a:p>
@@ -17100,10 +16366,9 @@
           <a:lstStyle/>
           <a:p>
             <a:r>
-              <a:rPr lang="en-US" dirty="0" smtClean="0"/>
+              <a:rPr lang="en-US" dirty="0"/>
               <a:t>This moves the ball so its center is at the mouse point.  That’s probably not what you want in a real application.  You probably want something that we call “smooth drag”, which we’ll learn about in a problem set coming up soon.</a:t>
             </a:r>
-            <a:endParaRPr lang="en-US" dirty="0"/>
           </a:p>
         </p:txBody>
       </p:sp>
@@ -17117,13 +16382,6 @@
   <p:clrMapOvr>
     <a:masterClrMapping/>
   </p:clrMapOvr>
-  <p:timing>
-    <p:tnLst>
-      <p:par>
-        <p:cTn id="1" dur="indefinite" restart="never" nodeType="tmRoot"/>
-      </p:par>
-    </p:tnLst>
-  </p:timing>
 </p:sld>
 </file>
 
